--- a/docs/SaaS ONG Pet.pptx
+++ b/docs/SaaS ONG Pet.pptx
@@ -13,10 +13,15 @@
     <p:sldId id="262" r:id="rId7"/>
     <p:sldId id="263" r:id="rId8"/>
     <p:sldId id="265" r:id="rId9"/>
-    <p:sldId id="266" r:id="rId10"/>
-    <p:sldId id="267" r:id="rId11"/>
-    <p:sldId id="268" r:id="rId12"/>
-    <p:sldId id="269" r:id="rId13"/>
+    <p:sldId id="267" r:id="rId10"/>
+    <p:sldId id="268" r:id="rId11"/>
+    <p:sldId id="269" r:id="rId12"/>
+    <p:sldId id="275" r:id="rId13"/>
+    <p:sldId id="274" r:id="rId14"/>
+    <p:sldId id="270" r:id="rId15"/>
+    <p:sldId id="271" r:id="rId16"/>
+    <p:sldId id="272" r:id="rId17"/>
+    <p:sldId id="273" r:id="rId18"/>
   </p:sldIdLst>
   <p:sldSz cx="12192000" cy="6858000"/>
   <p:notesSz cx="6858000" cy="9144000"/>
@@ -115,6 +120,11 @@
       </a:defRPr>
     </a:lvl9pPr>
   </p:defaultTextStyle>
+  <p:extLst>
+    <p:ext uri="{EFAFB233-063F-42B5-8137-9DF3F51BA10A}">
+      <p15:sldGuideLst xmlns:p15="http://schemas.microsoft.com/office/powerpoint/2012/main"/>
+    </p:ext>
+  </p:extLst>
 </p:presentation>
 </file>
 
@@ -287,7 +297,7 @@
             <a:fld id="{8C28A28C-4C6A-46EA-90C0-4EE0B89CC5C7}" type="datetimeFigureOut">
               <a:rPr lang="en-US" smtClean="0"/>
               <a:pPr/>
-              <a:t>7/11/2024</a:t>
+              <a:t>7/17/2024</a:t>
             </a:fld>
             <a:endParaRPr lang="en-US" dirty="0"/>
           </a:p>
@@ -517,7 +527,7 @@
             <a:fld id="{8C28A28C-4C6A-46EA-90C0-4EE0B89CC5C7}" type="datetimeFigureOut">
               <a:rPr lang="en-US" smtClean="0"/>
               <a:pPr/>
-              <a:t>7/11/2024</a:t>
+              <a:t>7/17/2024</a:t>
             </a:fld>
             <a:endParaRPr lang="en-US" dirty="0"/>
           </a:p>
@@ -699,7 +709,7 @@
             <a:fld id="{8C28A28C-4C6A-46EA-90C0-4EE0B89CC5C7}" type="datetimeFigureOut">
               <a:rPr lang="en-US" smtClean="0"/>
               <a:pPr/>
-              <a:t>7/11/2024</a:t>
+              <a:t>7/17/2024</a:t>
             </a:fld>
             <a:endParaRPr lang="en-US" dirty="0"/>
           </a:p>
@@ -871,7 +881,7 @@
             <a:fld id="{8C28A28C-4C6A-46EA-90C0-4EE0B89CC5C7}" type="datetimeFigureOut">
               <a:rPr lang="en-US" smtClean="0"/>
               <a:pPr/>
-              <a:t>7/11/2024</a:t>
+              <a:t>7/17/2024</a:t>
             </a:fld>
             <a:endParaRPr lang="en-US" dirty="0"/>
           </a:p>
@@ -1127,7 +1137,7 @@
             <a:fld id="{8C28A28C-4C6A-46EA-90C0-4EE0B89CC5C7}" type="datetimeFigureOut">
               <a:rPr lang="en-US" smtClean="0"/>
               <a:pPr/>
-              <a:t>7/11/2024</a:t>
+              <a:t>7/17/2024</a:t>
             </a:fld>
             <a:endParaRPr lang="en-US" dirty="0"/>
           </a:p>
@@ -1455,7 +1465,7 @@
             <a:fld id="{8C28A28C-4C6A-46EA-90C0-4EE0B89CC5C7}" type="datetimeFigureOut">
               <a:rPr lang="en-US" smtClean="0"/>
               <a:pPr/>
-              <a:t>7/11/2024</a:t>
+              <a:t>7/17/2024</a:t>
             </a:fld>
             <a:endParaRPr lang="en-US" dirty="0"/>
           </a:p>
@@ -1908,7 +1918,7 @@
             <a:fld id="{8C28A28C-4C6A-46EA-90C0-4EE0B89CC5C7}" type="datetimeFigureOut">
               <a:rPr lang="en-US" smtClean="0"/>
               <a:pPr/>
-              <a:t>7/11/2024</a:t>
+              <a:t>7/17/2024</a:t>
             </a:fld>
             <a:endParaRPr lang="en-US" dirty="0"/>
           </a:p>
@@ -2028,7 +2038,7 @@
             <a:fld id="{8C28A28C-4C6A-46EA-90C0-4EE0B89CC5C7}" type="datetimeFigureOut">
               <a:rPr lang="en-US" smtClean="0"/>
               <a:pPr/>
-              <a:t>7/11/2024</a:t>
+              <a:t>7/17/2024</a:t>
             </a:fld>
             <a:endParaRPr lang="en-US" dirty="0"/>
           </a:p>
@@ -2125,7 +2135,7 @@
             <a:fld id="{8C28A28C-4C6A-46EA-90C0-4EE0B89CC5C7}" type="datetimeFigureOut">
               <a:rPr lang="en-US" smtClean="0"/>
               <a:pPr/>
-              <a:t>7/11/2024</a:t>
+              <a:t>7/17/2024</a:t>
             </a:fld>
             <a:endParaRPr lang="en-US" dirty="0"/>
           </a:p>
@@ -2414,7 +2424,7 @@
             <a:fld id="{8C28A28C-4C6A-46EA-90C0-4EE0B89CC5C7}" type="datetimeFigureOut">
               <a:rPr lang="en-US" smtClean="0"/>
               <a:pPr/>
-              <a:t>7/11/2024</a:t>
+              <a:t>7/17/2024</a:t>
             </a:fld>
             <a:endParaRPr lang="en-US" dirty="0"/>
           </a:p>
@@ -2738,7 +2748,7 @@
             <a:fld id="{8C28A28C-4C6A-46EA-90C0-4EE0B89CC5C7}" type="datetimeFigureOut">
               <a:rPr lang="en-US" smtClean="0"/>
               <a:pPr/>
-              <a:t>7/11/2024</a:t>
+              <a:t>7/17/2024</a:t>
             </a:fld>
             <a:endParaRPr lang="en-US" dirty="0"/>
           </a:p>
@@ -2994,7 +3004,7 @@
             <a:fld id="{8C28A28C-4C6A-46EA-90C0-4EE0B89CC5C7}" type="datetimeFigureOut">
               <a:rPr lang="en-US" smtClean="0"/>
               <a:pPr/>
-              <a:t>7/11/2024</a:t>
+              <a:t>7/17/2024</a:t>
             </a:fld>
             <a:endParaRPr lang="en-US" dirty="0"/>
           </a:p>
@@ -3763,10 +3773,7 @@
     <p:bg>
       <p:bgPr>
         <a:solidFill>
-          <a:schemeClr val="bg1">
-            <a:tint val="95000"/>
-            <a:satMod val="170000"/>
-          </a:schemeClr>
+          <a:schemeClr val="bg1"/>
         </a:solidFill>
         <a:effectLst/>
       </p:bgPr>
@@ -3785,12 +3792,12 @@
           <a:chExt cx="0" cy="0"/>
         </a:xfrm>
       </p:grpSpPr>
-      <p:sp useBgFill="1">
-        <p:nvSpPr>
-          <p:cNvPr id="8" name="Rectangle 7">
+      <p:sp>
+        <p:nvSpPr>
+          <p:cNvPr id="3109" name="Rectangle 3108">
             <a:extLst>
               <a:ext uri="{FF2B5EF4-FFF2-40B4-BE49-F238E27FC236}">
-                <a16:creationId xmlns:a16="http://schemas.microsoft.com/office/drawing/2014/main" id="{5DB0431E-0B04-44A1-9C51-531E28D18A60}"/>
+                <a16:creationId xmlns:a16="http://schemas.microsoft.com/office/drawing/2014/main" id="{5D5E0904-721C-4D68-9EB8-1C9752E329A7}"/>
               </a:ext>
               <a:ext uri="{C183D7F6-B498-43B3-948B-1728B52AA6E4}">
                 <adec:decorative xmlns:adec="http://schemas.microsoft.com/office/drawing/2017/decorative" val="1"/>
@@ -3811,11 +3818,14 @@
         <p:spPr>
           <a:xfrm>
             <a:off x="0" y="0"/>
-            <a:ext cx="12192000" cy="6858000"/>
+            <a:ext cx="457200" cy="6858000"/>
           </a:xfrm>
           <a:prstGeom prst="rect">
             <a:avLst/>
           </a:prstGeom>
+          <a:solidFill>
+            <a:schemeClr val="accent1"/>
+          </a:solidFill>
           <a:ln>
             <a:noFill/>
           </a:ln>
@@ -3837,123 +3847,19 @@
           </a:fontRef>
         </p:style>
         <p:txBody>
-          <a:bodyPr rtlCol="0" anchor="ctr"/>
-          <a:lstStyle/>
-          <a:p>
-            <a:pPr algn="ctr"/>
+          <a:bodyPr/>
+          <a:lstStyle/>
+          <a:p>
             <a:endParaRPr lang="en-US"/>
           </a:p>
         </p:txBody>
       </p:sp>
       <p:sp>
         <p:nvSpPr>
-          <p:cNvPr id="2" name="Título 1">
+          <p:cNvPr id="3111" name="Rectangle 3110">
             <a:extLst>
               <a:ext uri="{FF2B5EF4-FFF2-40B4-BE49-F238E27FC236}">
-                <a16:creationId xmlns:a16="http://schemas.microsoft.com/office/drawing/2014/main" id="{A04705A6-2D97-4A48-EF04-EF1F916C7A3E}"/>
-              </a:ext>
-            </a:extLst>
-          </p:cNvPr>
-          <p:cNvSpPr>
-            <a:spLocks noGrp="1"/>
-          </p:cNvSpPr>
-          <p:nvPr>
-            <p:ph type="title"/>
-          </p:nvPr>
-        </p:nvSpPr>
-        <p:spPr>
-          <a:xfrm>
-            <a:off x="1261872" y="365760"/>
-            <a:ext cx="9692640" cy="1325562"/>
-          </a:xfrm>
-        </p:spPr>
-        <p:txBody>
-          <a:bodyPr>
-            <a:normAutofit/>
-          </a:bodyPr>
-          <a:lstStyle/>
-          <a:p>
-            <a:r>
-              <a:rPr lang="en-US" dirty="0" err="1"/>
-              <a:t>Cadastro</a:t>
-            </a:r>
-            <a:r>
-              <a:rPr lang="en-US" dirty="0"/>
-              <a:t> de </a:t>
-            </a:r>
-            <a:r>
-              <a:rPr lang="en-US" dirty="0" err="1"/>
-              <a:t>Eventos</a:t>
-            </a:r>
-            <a:r>
-              <a:rPr lang="en-US" dirty="0"/>
-              <a:t> (</a:t>
-            </a:r>
-            <a:r>
-              <a:rPr lang="en-US" dirty="0" err="1"/>
-              <a:t>Futuro</a:t>
-            </a:r>
-            <a:r>
-              <a:rPr lang="en-US" dirty="0"/>
-              <a:t>)</a:t>
-            </a:r>
-          </a:p>
-        </p:txBody>
-      </p:sp>
-      <p:sp>
-        <p:nvSpPr>
-          <p:cNvPr id="3" name="Espaço Reservado para Conteúdo 2">
-            <a:extLst>
-              <a:ext uri="{FF2B5EF4-FFF2-40B4-BE49-F238E27FC236}">
-                <a16:creationId xmlns:a16="http://schemas.microsoft.com/office/drawing/2014/main" id="{1159F3F1-947C-17F3-9482-37474142D56A}"/>
-              </a:ext>
-            </a:extLst>
-          </p:cNvPr>
-          <p:cNvSpPr>
-            <a:spLocks noGrp="1"/>
-          </p:cNvSpPr>
-          <p:nvPr>
-            <p:ph idx="1"/>
-          </p:nvPr>
-        </p:nvSpPr>
-        <p:spPr>
-          <a:xfrm>
-            <a:off x="1261872" y="1828800"/>
-            <a:ext cx="8595360" cy="4351337"/>
-          </a:xfrm>
-        </p:spPr>
-        <p:txBody>
-          <a:bodyPr>
-            <a:normAutofit/>
-          </a:bodyPr>
-          <a:lstStyle/>
-          <a:p>
-            <a:endParaRPr lang="pt-BR" dirty="0"/>
-          </a:p>
-          <a:p>
-            <a:r>
-              <a:rPr lang="pt-BR" dirty="0"/>
-              <a:t>Publicação de Eventos: ONGs poderão publicar eventos, como feiras de adoção.</a:t>
-            </a:r>
-            <a:br>
-              <a:rPr lang="pt-BR" dirty="0"/>
-            </a:br>
-            <a:endParaRPr lang="pt-BR" dirty="0"/>
-          </a:p>
-          <a:p>
-            <a:r>
-              <a:rPr lang="pt-BR" dirty="0"/>
-              <a:t>Exibição de Eventos: Os eventos serão exibidos na aba de eventos do site, facilitando a divulgação.</a:t>
-            </a:r>
-          </a:p>
-        </p:txBody>
-      </p:sp>
-      <p:sp>
-        <p:nvSpPr>
-          <p:cNvPr id="10" name="Rectangle 9">
-            <a:extLst>
-              <a:ext uri="{FF2B5EF4-FFF2-40B4-BE49-F238E27FC236}">
-                <a16:creationId xmlns:a16="http://schemas.microsoft.com/office/drawing/2014/main" id="{6B424749-EEE0-49C9-9ABF-97B171A3EA00}"/>
+                <a16:creationId xmlns:a16="http://schemas.microsoft.com/office/drawing/2014/main" id="{B298ECBA-3258-45DF-8FD4-7581736BCCBC}"/>
               </a:ext>
               <a:ext uri="{C183D7F6-B498-43B3-948B-1728B52AA6E4}">
                 <adec:decorative xmlns:adec="http://schemas.microsoft.com/office/drawing/2017/decorative" val="1"/>
@@ -3973,16 +3879,14 @@
         </p:nvSpPr>
         <p:spPr>
           <a:xfrm>
-            <a:off x="11277600" y="0"/>
-            <a:ext cx="914400" cy="6858000"/>
+            <a:off x="0" y="-3244"/>
+            <a:ext cx="457200" cy="6858000"/>
           </a:xfrm>
           <a:prstGeom prst="rect">
             <a:avLst/>
           </a:prstGeom>
           <a:solidFill>
-            <a:schemeClr val="tx2">
-              <a:lumMod val="75000"/>
-            </a:schemeClr>
+            <a:srgbClr val="6F6F74"/>
           </a:solidFill>
           <a:ln>
             <a:noFill/>
@@ -4005,9 +3909,293 @@
           </a:fontRef>
         </p:style>
         <p:txBody>
+          <a:bodyPr rtlCol="0" anchor="ctr"/>
+          <a:lstStyle/>
+          <a:p>
+            <a:pPr algn="ctr"/>
+            <a:endParaRPr lang="en-US"/>
+          </a:p>
+        </p:txBody>
+      </p:sp>
+      <p:sp>
+        <p:nvSpPr>
+          <p:cNvPr id="3113" name="Rectangle 3112">
+            <a:extLst>
+              <a:ext uri="{FF2B5EF4-FFF2-40B4-BE49-F238E27FC236}">
+                <a16:creationId xmlns:a16="http://schemas.microsoft.com/office/drawing/2014/main" id="{B62BF453-BD82-4B90-9FE7-51703133806E}"/>
+              </a:ext>
+              <a:ext uri="{C183D7F6-B498-43B3-948B-1728B52AA6E4}">
+                <adec:decorative xmlns:adec="http://schemas.microsoft.com/office/drawing/2017/decorative" val="1"/>
+              </a:ext>
+            </a:extLst>
+          </p:cNvPr>
+          <p:cNvSpPr>
+            <a:spLocks noGrp="1" noRot="1" noChangeAspect="1" noMove="1" noResize="1" noEditPoints="1" noAdjustHandles="1" noChangeArrowheads="1" noChangeShapeType="1" noTextEdit="1"/>
+          </p:cNvSpPr>
+          <p:nvPr>
+            <p:extLst>
+              <p:ext uri="{386F3935-93C4-4BCD-93E2-E3B085C9AB24}">
+                <p16:designElem xmlns:p16="http://schemas.microsoft.com/office/powerpoint/2015/main" val="1"/>
+              </p:ext>
+            </p:extLst>
+          </p:nvPr>
+        </p:nvSpPr>
+        <p:spPr>
+          <a:xfrm>
+            <a:off x="457200" y="0"/>
+            <a:ext cx="10835640" cy="6858000"/>
+          </a:xfrm>
+          <a:prstGeom prst="rect">
+            <a:avLst/>
+          </a:prstGeom>
+          <a:solidFill>
+            <a:srgbClr val="353537"/>
+          </a:solidFill>
+          <a:ln>
+            <a:noFill/>
+          </a:ln>
+        </p:spPr>
+        <p:style>
+          <a:lnRef idx="2">
+            <a:schemeClr val="accent1">
+              <a:shade val="50000"/>
+            </a:schemeClr>
+          </a:lnRef>
+          <a:fillRef idx="1">
+            <a:schemeClr val="accent1"/>
+          </a:fillRef>
+          <a:effectRef idx="0">
+            <a:schemeClr val="accent1"/>
+          </a:effectRef>
+          <a:fontRef idx="minor">
+            <a:schemeClr val="lt1"/>
+          </a:fontRef>
+        </p:style>
+        <p:txBody>
           <a:bodyPr/>
           <a:lstStyle/>
           <a:p>
+            <a:endParaRPr lang="en-US"/>
+          </a:p>
+        </p:txBody>
+      </p:sp>
+      <p:sp>
+        <p:nvSpPr>
+          <p:cNvPr id="2" name="Título 1">
+            <a:extLst>
+              <a:ext uri="{FF2B5EF4-FFF2-40B4-BE49-F238E27FC236}">
+                <a16:creationId xmlns:a16="http://schemas.microsoft.com/office/drawing/2014/main" id="{A04705A6-2D97-4A48-EF04-EF1F916C7A3E}"/>
+              </a:ext>
+            </a:extLst>
+          </p:cNvPr>
+          <p:cNvSpPr>
+            <a:spLocks noGrp="1"/>
+          </p:cNvSpPr>
+          <p:nvPr>
+            <p:ph type="title"/>
+          </p:nvPr>
+        </p:nvSpPr>
+        <p:spPr>
+          <a:xfrm>
+            <a:off x="8318090" y="758952"/>
+            <a:ext cx="2802194" cy="4041648"/>
+          </a:xfrm>
+        </p:spPr>
+        <p:txBody>
+          <a:bodyPr vert="horz" lIns="91440" tIns="45720" rIns="91440" bIns="45720" rtlCol="0" anchor="b">
+            <a:normAutofit/>
+          </a:bodyPr>
+          <a:lstStyle/>
+          <a:p>
+            <a:pPr>
+              <a:lnSpc>
+                <a:spcPct val="85000"/>
+              </a:lnSpc>
+            </a:pPr>
+            <a:r>
+              <a:rPr lang="en-US" dirty="0" err="1">
+                <a:solidFill>
+                  <a:srgbClr val="FFFFFF"/>
+                </a:solidFill>
+              </a:rPr>
+              <a:t>Diagrama</a:t>
+            </a:r>
+            <a:r>
+              <a:rPr lang="en-US" dirty="0">
+                <a:solidFill>
+                  <a:srgbClr val="FFFFFF"/>
+                </a:solidFill>
+              </a:rPr>
+              <a:t> de Classes</a:t>
+            </a:r>
+          </a:p>
+        </p:txBody>
+      </p:sp>
+      <p:sp useBgFill="1">
+        <p:nvSpPr>
+          <p:cNvPr id="3115" name="Rectangle 3114">
+            <a:extLst>
+              <a:ext uri="{FF2B5EF4-FFF2-40B4-BE49-F238E27FC236}">
+                <a16:creationId xmlns:a16="http://schemas.microsoft.com/office/drawing/2014/main" id="{072366D3-9B5C-42E1-9906-77FF6BB55EAB}"/>
+              </a:ext>
+              <a:ext uri="{C183D7F6-B498-43B3-948B-1728B52AA6E4}">
+                <adec:decorative xmlns:adec="http://schemas.microsoft.com/office/drawing/2017/decorative" val="1"/>
+              </a:ext>
+            </a:extLst>
+          </p:cNvPr>
+          <p:cNvSpPr>
+            <a:spLocks noGrp="1" noRot="1" noChangeAspect="1" noMove="1" noResize="1" noEditPoints="1" noAdjustHandles="1" noChangeArrowheads="1" noChangeShapeType="1" noTextEdit="1"/>
+          </p:cNvSpPr>
+          <p:nvPr>
+            <p:extLst>
+              <p:ext uri="{386F3935-93C4-4BCD-93E2-E3B085C9AB24}">
+                <p16:designElem xmlns:p16="http://schemas.microsoft.com/office/powerpoint/2015/main" val="1"/>
+              </p:ext>
+            </p:extLst>
+          </p:nvPr>
+        </p:nvSpPr>
+        <p:spPr>
+          <a:xfrm>
+            <a:off x="452283" y="0"/>
+            <a:ext cx="7561007" cy="6858000"/>
+          </a:xfrm>
+          <a:prstGeom prst="rect">
+            <a:avLst/>
+          </a:prstGeom>
+          <a:ln>
+            <a:noFill/>
+          </a:ln>
+        </p:spPr>
+        <p:style>
+          <a:lnRef idx="2">
+            <a:schemeClr val="accent1">
+              <a:shade val="50000"/>
+            </a:schemeClr>
+          </a:lnRef>
+          <a:fillRef idx="1">
+            <a:schemeClr val="accent1"/>
+          </a:fillRef>
+          <a:effectRef idx="0">
+            <a:schemeClr val="accent1"/>
+          </a:effectRef>
+          <a:fontRef idx="minor">
+            <a:schemeClr val="lt1"/>
+          </a:fontRef>
+        </p:style>
+        <p:txBody>
+          <a:bodyPr rtlCol="0" anchor="ctr"/>
+          <a:lstStyle/>
+          <a:p>
+            <a:pPr algn="ctr"/>
+            <a:endParaRPr lang="en-US"/>
+          </a:p>
+        </p:txBody>
+      </p:sp>
+      <p:pic>
+        <p:nvPicPr>
+          <p:cNvPr id="3084" name="Picture 12">
+            <a:extLst>
+              <a:ext uri="{FF2B5EF4-FFF2-40B4-BE49-F238E27FC236}">
+                <a16:creationId xmlns:a16="http://schemas.microsoft.com/office/drawing/2014/main" id="{9F293534-D4F4-76E2-5F3D-D09B1C727323}"/>
+              </a:ext>
+            </a:extLst>
+          </p:cNvPr>
+          <p:cNvPicPr>
+            <a:picLocks noChangeAspect="1" noChangeArrowheads="1"/>
+          </p:cNvPicPr>
+          <p:nvPr/>
+        </p:nvPicPr>
+        <p:blipFill>
+          <a:blip r:embed="rId2">
+            <a:extLst>
+              <a:ext uri="{28A0092B-C50C-407E-A947-70E740481C1C}">
+                <a14:useLocalDpi xmlns:a14="http://schemas.microsoft.com/office/drawing/2010/main" val="0"/>
+              </a:ext>
+            </a:extLst>
+          </a:blip>
+          <a:stretch>
+            <a:fillRect/>
+          </a:stretch>
+        </p:blipFill>
+        <p:spPr bwMode="auto">
+          <a:xfrm>
+            <a:off x="1184989" y="484632"/>
+            <a:ext cx="6095594" cy="5882248"/>
+          </a:xfrm>
+          <a:prstGeom prst="rect">
+            <a:avLst/>
+          </a:prstGeom>
+          <a:noFill/>
+          <a:extLst>
+            <a:ext uri="{909E8E84-426E-40DD-AFC4-6F175D3DCCD1}">
+              <a14:hiddenFill xmlns:a14="http://schemas.microsoft.com/office/drawing/2010/main">
+                <a:solidFill>
+                  <a:srgbClr val="FFFFFF"/>
+                </a:solidFill>
+              </a14:hiddenFill>
+            </a:ext>
+          </a:extLst>
+        </p:spPr>
+      </p:pic>
+      <p:sp>
+        <p:nvSpPr>
+          <p:cNvPr id="3117" name="Rectangle 3116">
+            <a:extLst>
+              <a:ext uri="{FF2B5EF4-FFF2-40B4-BE49-F238E27FC236}">
+                <a16:creationId xmlns:a16="http://schemas.microsoft.com/office/drawing/2014/main" id="{121F5E60-4E89-4B16-A245-12BD9935998D}"/>
+              </a:ext>
+              <a:ext uri="{C183D7F6-B498-43B3-948B-1728B52AA6E4}">
+                <adec:decorative xmlns:adec="http://schemas.microsoft.com/office/drawing/2017/decorative" val="1"/>
+              </a:ext>
+            </a:extLst>
+          </p:cNvPr>
+          <p:cNvSpPr>
+            <a:spLocks noGrp="1" noRot="1" noChangeAspect="1" noMove="1" noResize="1" noEditPoints="1" noAdjustHandles="1" noChangeArrowheads="1" noChangeShapeType="1" noTextEdit="1"/>
+          </p:cNvSpPr>
+          <p:nvPr>
+            <p:extLst>
+              <p:ext uri="{386F3935-93C4-4BCD-93E2-E3B085C9AB24}">
+                <p16:designElem xmlns:p16="http://schemas.microsoft.com/office/powerpoint/2015/main" val="1"/>
+              </p:ext>
+            </p:extLst>
+          </p:nvPr>
+        </p:nvSpPr>
+        <p:spPr>
+          <a:xfrm>
+            <a:off x="11292840" y="0"/>
+            <a:ext cx="899160" cy="6858000"/>
+          </a:xfrm>
+          <a:prstGeom prst="rect">
+            <a:avLst/>
+          </a:prstGeom>
+          <a:solidFill>
+            <a:srgbClr val="353537"/>
+          </a:solidFill>
+          <a:ln>
+            <a:noFill/>
+          </a:ln>
+        </p:spPr>
+        <p:style>
+          <a:lnRef idx="2">
+            <a:schemeClr val="accent1">
+              <a:shade val="50000"/>
+            </a:schemeClr>
+          </a:lnRef>
+          <a:fillRef idx="1">
+            <a:schemeClr val="accent1"/>
+          </a:fillRef>
+          <a:effectRef idx="0">
+            <a:schemeClr val="accent1"/>
+          </a:effectRef>
+          <a:fontRef idx="minor">
+            <a:schemeClr val="lt1"/>
+          </a:fontRef>
+        </p:style>
+        <p:txBody>
+          <a:bodyPr rtlCol="0" anchor="ctr"/>
+          <a:lstStyle/>
+          <a:p>
+            <a:pPr algn="ctr"/>
             <a:endParaRPr lang="en-US"/>
           </a:p>
         </p:txBody>
@@ -4015,12 +4203,12 @@
     </p:spTree>
     <p:extLst>
       <p:ext uri="{BB962C8B-B14F-4D97-AF65-F5344CB8AC3E}">
-        <p14:creationId xmlns:p14="http://schemas.microsoft.com/office/powerpoint/2010/main" val="1139511326"/>
+        <p14:creationId xmlns:p14="http://schemas.microsoft.com/office/powerpoint/2010/main" val="1474501965"/>
       </p:ext>
     </p:extLst>
   </p:cSld>
   <p:clrMapOvr>
-    <a:overrideClrMapping bg1="dk1" tx1="lt1" bg2="dk2" tx2="lt2" accent1="accent1" accent2="accent2" accent3="accent3" accent4="accent4" accent5="accent5" accent6="accent6" hlink="hlink" folHlink="folHlink"/>
+    <a:overrideClrMapping bg1="lt1" tx1="dk1" bg2="lt2" tx2="dk2" accent1="accent1" accent2="accent2" accent3="accent3" accent4="accent4" accent5="accent5" accent6="accent6" hlink="hlink" folHlink="folHlink"/>
   </p:clrMapOvr>
 </p:sld>
 </file>
@@ -4052,7 +4240,7 @@
       </p:grpSpPr>
       <p:sp>
         <p:nvSpPr>
-          <p:cNvPr id="3109" name="Rectangle 3108">
+          <p:cNvPr id="4150" name="Rectangle 4149">
             <a:extLst>
               <a:ext uri="{FF2B5EF4-FFF2-40B4-BE49-F238E27FC236}">
                 <a16:creationId xmlns:a16="http://schemas.microsoft.com/office/drawing/2014/main" id="{5D5E0904-721C-4D68-9EB8-1C9752E329A7}"/>
@@ -4114,7 +4302,7 @@
       </p:sp>
       <p:sp>
         <p:nvSpPr>
-          <p:cNvPr id="3111" name="Rectangle 3110">
+          <p:cNvPr id="4152" name="Rectangle 4151">
             <a:extLst>
               <a:ext uri="{FF2B5EF4-FFF2-40B4-BE49-F238E27FC236}">
                 <a16:creationId xmlns:a16="http://schemas.microsoft.com/office/drawing/2014/main" id="{B298ECBA-3258-45DF-8FD4-7581736BCCBC}"/>
@@ -4177,7 +4365,7 @@
       </p:sp>
       <p:sp>
         <p:nvSpPr>
-          <p:cNvPr id="3113" name="Rectangle 3112">
+          <p:cNvPr id="4154" name="Rectangle 4153">
             <a:extLst>
               <a:ext uri="{FF2B5EF4-FFF2-40B4-BE49-F238E27FC236}">
                 <a16:creationId xmlns:a16="http://schemas.microsoft.com/office/drawing/2014/main" id="{B62BF453-BD82-4B90-9FE7-51703133806E}"/>
@@ -4237,61 +4425,9 @@
           </a:p>
         </p:txBody>
       </p:sp>
-      <p:sp>
-        <p:nvSpPr>
-          <p:cNvPr id="2" name="Título 1">
-            <a:extLst>
-              <a:ext uri="{FF2B5EF4-FFF2-40B4-BE49-F238E27FC236}">
-                <a16:creationId xmlns:a16="http://schemas.microsoft.com/office/drawing/2014/main" id="{A04705A6-2D97-4A48-EF04-EF1F916C7A3E}"/>
-              </a:ext>
-            </a:extLst>
-          </p:cNvPr>
-          <p:cNvSpPr>
-            <a:spLocks noGrp="1"/>
-          </p:cNvSpPr>
-          <p:nvPr>
-            <p:ph type="title"/>
-          </p:nvPr>
-        </p:nvSpPr>
-        <p:spPr>
-          <a:xfrm>
-            <a:off x="8318090" y="758952"/>
-            <a:ext cx="2802194" cy="4041648"/>
-          </a:xfrm>
-        </p:spPr>
-        <p:txBody>
-          <a:bodyPr vert="horz" lIns="91440" tIns="45720" rIns="91440" bIns="45720" rtlCol="0" anchor="b">
-            <a:normAutofit/>
-          </a:bodyPr>
-          <a:lstStyle/>
-          <a:p>
-            <a:pPr>
-              <a:lnSpc>
-                <a:spcPct val="85000"/>
-              </a:lnSpc>
-            </a:pPr>
-            <a:r>
-              <a:rPr lang="en-US" dirty="0" err="1">
-                <a:solidFill>
-                  <a:srgbClr val="FFFFFF"/>
-                </a:solidFill>
-              </a:rPr>
-              <a:t>Diagrama</a:t>
-            </a:r>
-            <a:r>
-              <a:rPr lang="en-US" dirty="0">
-                <a:solidFill>
-                  <a:srgbClr val="FFFFFF"/>
-                </a:solidFill>
-              </a:rPr>
-              <a:t> de Classes</a:t>
-            </a:r>
-          </a:p>
-        </p:txBody>
-      </p:sp>
       <p:sp useBgFill="1">
         <p:nvSpPr>
-          <p:cNvPr id="3115" name="Rectangle 3114">
+          <p:cNvPr id="4156" name="Rectangle 4155">
             <a:extLst>
               <a:ext uri="{FF2B5EF4-FFF2-40B4-BE49-F238E27FC236}">
                 <a16:creationId xmlns:a16="http://schemas.microsoft.com/office/drawing/2014/main" id="{072366D3-9B5C-42E1-9906-77FF6BB55EAB}"/>
@@ -4351,10 +4487,10 @@
       </p:sp>
       <p:pic>
         <p:nvPicPr>
-          <p:cNvPr id="3084" name="Picture 12">
+          <p:cNvPr id="4106" name="Picture 10">
             <a:extLst>
               <a:ext uri="{FF2B5EF4-FFF2-40B4-BE49-F238E27FC236}">
-                <a16:creationId xmlns:a16="http://schemas.microsoft.com/office/drawing/2014/main" id="{9F293534-D4F4-76E2-5F3D-D09B1C727323}"/>
+                <a16:creationId xmlns:a16="http://schemas.microsoft.com/office/drawing/2014/main" id="{426F7615-FA42-765E-C9FF-B5E715658B64}"/>
               </a:ext>
             </a:extLst>
           </p:cNvPr>
@@ -4377,8 +4513,8 @@
         </p:blipFill>
         <p:spPr bwMode="auto">
           <a:xfrm>
-            <a:off x="1184989" y="484632"/>
-            <a:ext cx="6095594" cy="5882248"/>
+            <a:off x="1222755" y="484632"/>
+            <a:ext cx="6020063" cy="5882248"/>
           </a:xfrm>
           <a:prstGeom prst="rect">
             <a:avLst/>
@@ -4397,7 +4533,7 @@
       </p:pic>
       <p:sp>
         <p:nvSpPr>
-          <p:cNvPr id="3117" name="Rectangle 3116">
+          <p:cNvPr id="4158" name="Rectangle 4157">
             <a:extLst>
               <a:ext uri="{FF2B5EF4-FFF2-40B4-BE49-F238E27FC236}">
                 <a16:creationId xmlns:a16="http://schemas.microsoft.com/office/drawing/2014/main" id="{121F5E60-4E89-4B16-A245-12BD9935998D}"/>
@@ -4458,10 +4594,90 @@
           </a:p>
         </p:txBody>
       </p:sp>
+      <p:sp>
+        <p:nvSpPr>
+          <p:cNvPr id="2" name="Título 1">
+            <a:extLst>
+              <a:ext uri="{FF2B5EF4-FFF2-40B4-BE49-F238E27FC236}">
+                <a16:creationId xmlns:a16="http://schemas.microsoft.com/office/drawing/2014/main" id="{A04705A6-2D97-4A48-EF04-EF1F916C7A3E}"/>
+              </a:ext>
+            </a:extLst>
+          </p:cNvPr>
+          <p:cNvSpPr>
+            <a:spLocks noGrp="1"/>
+          </p:cNvSpPr>
+          <p:nvPr>
+            <p:ph type="title"/>
+          </p:nvPr>
+        </p:nvSpPr>
+        <p:spPr>
+          <a:xfrm>
+            <a:off x="8318090" y="758952"/>
+            <a:ext cx="3337998" cy="4041648"/>
+          </a:xfrm>
+        </p:spPr>
+        <p:txBody>
+          <a:bodyPr vert="horz" lIns="91440" tIns="45720" rIns="91440" bIns="45720" rtlCol="0" anchor="b">
+            <a:normAutofit/>
+          </a:bodyPr>
+          <a:lstStyle/>
+          <a:p>
+            <a:pPr>
+              <a:lnSpc>
+                <a:spcPct val="85000"/>
+              </a:lnSpc>
+            </a:pPr>
+            <a:r>
+              <a:rPr lang="en-US" dirty="0" err="1">
+                <a:solidFill>
+                  <a:srgbClr val="FFFFFF"/>
+                </a:solidFill>
+              </a:rPr>
+              <a:t>Diagrama</a:t>
+            </a:r>
+            <a:r>
+              <a:rPr lang="en-US" dirty="0">
+                <a:solidFill>
+                  <a:srgbClr val="FFFFFF"/>
+                </a:solidFill>
+              </a:rPr>
+              <a:t> de </a:t>
+            </a:r>
+            <a:br>
+              <a:rPr lang="en-US" dirty="0">
+                <a:solidFill>
+                  <a:srgbClr val="FFFFFF"/>
+                </a:solidFill>
+              </a:rPr>
+            </a:br>
+            <a:r>
+              <a:rPr lang="en-US" dirty="0">
+                <a:solidFill>
+                  <a:srgbClr val="FFFFFF"/>
+                </a:solidFill>
+              </a:rPr>
+              <a:t>Caso de </a:t>
+            </a:r>
+            <a:r>
+              <a:rPr lang="en-US" dirty="0" err="1">
+                <a:solidFill>
+                  <a:srgbClr val="FFFFFF"/>
+                </a:solidFill>
+              </a:rPr>
+              <a:t>Uso</a:t>
+            </a:r>
+            <a:endParaRPr lang="en-US" dirty="0">
+              <a:solidFill>
+                <a:srgbClr val="FFFFFF"/>
+              </a:solidFill>
+            </a:endParaRPr>
+          </a:p>
+        </p:txBody>
+      </p:sp>
     </p:spTree>
     <p:extLst>
       <p:ext uri="{BB962C8B-B14F-4D97-AF65-F5344CB8AC3E}">
-        <p14:creationId xmlns:p14="http://schemas.microsoft.com/office/powerpoint/2010/main" val="1474501965"/>
+        <p14:creationId xmlns:p14="http://schemas.microsoft.com/office/powerpoint/2010/main" val="2338021281"/>
       </p:ext>
     </p:extLst>
   </p:cSld>
@@ -4498,7 +4714,7 @@
       </p:grpSpPr>
       <p:sp>
         <p:nvSpPr>
-          <p:cNvPr id="4150" name="Rectangle 4149">
+          <p:cNvPr id="4163" name="Rectangle 4162">
             <a:extLst>
               <a:ext uri="{FF2B5EF4-FFF2-40B4-BE49-F238E27FC236}">
                 <a16:creationId xmlns:a16="http://schemas.microsoft.com/office/drawing/2014/main" id="{5D5E0904-721C-4D68-9EB8-1C9752E329A7}"/>
@@ -4560,7 +4776,7 @@
       </p:sp>
       <p:sp>
         <p:nvSpPr>
-          <p:cNvPr id="4152" name="Rectangle 4151">
+          <p:cNvPr id="4165" name="Rectangle 4164">
             <a:extLst>
               <a:ext uri="{FF2B5EF4-FFF2-40B4-BE49-F238E27FC236}">
                 <a16:creationId xmlns:a16="http://schemas.microsoft.com/office/drawing/2014/main" id="{B298ECBA-3258-45DF-8FD4-7581736BCCBC}"/>
@@ -4623,7 +4839,7 @@
       </p:sp>
       <p:sp>
         <p:nvSpPr>
-          <p:cNvPr id="4154" name="Rectangle 4153">
+          <p:cNvPr id="4167" name="Rectangle 4166">
             <a:extLst>
               <a:ext uri="{FF2B5EF4-FFF2-40B4-BE49-F238E27FC236}">
                 <a16:creationId xmlns:a16="http://schemas.microsoft.com/office/drawing/2014/main" id="{B62BF453-BD82-4B90-9FE7-51703133806E}"/>
@@ -4683,9 +4899,61 @@
           </a:p>
         </p:txBody>
       </p:sp>
+      <p:sp>
+        <p:nvSpPr>
+          <p:cNvPr id="2" name="Título 1">
+            <a:extLst>
+              <a:ext uri="{FF2B5EF4-FFF2-40B4-BE49-F238E27FC236}">
+                <a16:creationId xmlns:a16="http://schemas.microsoft.com/office/drawing/2014/main" id="{A04705A6-2D97-4A48-EF04-EF1F916C7A3E}"/>
+              </a:ext>
+            </a:extLst>
+          </p:cNvPr>
+          <p:cNvSpPr>
+            <a:spLocks noGrp="1"/>
+          </p:cNvSpPr>
+          <p:nvPr>
+            <p:ph type="title"/>
+          </p:nvPr>
+        </p:nvSpPr>
+        <p:spPr>
+          <a:xfrm>
+            <a:off x="8318090" y="758952"/>
+            <a:ext cx="2802194" cy="4041648"/>
+          </a:xfrm>
+        </p:spPr>
+        <p:txBody>
+          <a:bodyPr vert="horz" lIns="91440" tIns="45720" rIns="91440" bIns="45720" rtlCol="0" anchor="b">
+            <a:normAutofit/>
+          </a:bodyPr>
+          <a:lstStyle/>
+          <a:p>
+            <a:pPr>
+              <a:lnSpc>
+                <a:spcPct val="85000"/>
+              </a:lnSpc>
+            </a:pPr>
+            <a:r>
+              <a:rPr lang="en-US" dirty="0" err="1">
+                <a:solidFill>
+                  <a:srgbClr val="FFFFFF"/>
+                </a:solidFill>
+              </a:rPr>
+              <a:t>Ideia</a:t>
+            </a:r>
+            <a:r>
+              <a:rPr lang="en-US" dirty="0">
+                <a:solidFill>
+                  <a:srgbClr val="FFFFFF"/>
+                </a:solidFill>
+              </a:rPr>
+              <a:t> de Layout</a:t>
+            </a:r>
+          </a:p>
+        </p:txBody>
+      </p:sp>
       <p:sp useBgFill="1">
         <p:nvSpPr>
-          <p:cNvPr id="4156" name="Rectangle 4155">
+          <p:cNvPr id="4169" name="Rectangle 4168">
             <a:extLst>
               <a:ext uri="{FF2B5EF4-FFF2-40B4-BE49-F238E27FC236}">
                 <a16:creationId xmlns:a16="http://schemas.microsoft.com/office/drawing/2014/main" id="{072366D3-9B5C-42E1-9906-77FF6BB55EAB}"/>
@@ -4745,53 +5013,37 @@
       </p:sp>
       <p:pic>
         <p:nvPicPr>
-          <p:cNvPr id="4106" name="Picture 10">
+          <p:cNvPr id="4" name="Imagem 3">
             <a:extLst>
               <a:ext uri="{FF2B5EF4-FFF2-40B4-BE49-F238E27FC236}">
-                <a16:creationId xmlns:a16="http://schemas.microsoft.com/office/drawing/2014/main" id="{426F7615-FA42-765E-C9FF-B5E715658B64}"/>
+                <a16:creationId xmlns:a16="http://schemas.microsoft.com/office/drawing/2014/main" id="{A1CE3B01-D055-E99B-46B6-3FBC37BCA770}"/>
               </a:ext>
             </a:extLst>
           </p:cNvPr>
           <p:cNvPicPr>
-            <a:picLocks noChangeAspect="1" noChangeArrowheads="1"/>
+            <a:picLocks noChangeAspect="1"/>
           </p:cNvPicPr>
           <p:nvPr/>
         </p:nvPicPr>
         <p:blipFill>
-          <a:blip r:embed="rId2">
-            <a:extLst>
-              <a:ext uri="{28A0092B-C50C-407E-A947-70E740481C1C}">
-                <a14:useLocalDpi xmlns:a14="http://schemas.microsoft.com/office/drawing/2010/main" val="0"/>
-              </a:ext>
-            </a:extLst>
-          </a:blip>
+          <a:blip r:embed="rId2"/>
           <a:stretch>
             <a:fillRect/>
           </a:stretch>
         </p:blipFill>
-        <p:spPr bwMode="auto">
-          <a:xfrm>
-            <a:off x="1222755" y="484632"/>
-            <a:ext cx="6020063" cy="5882248"/>
+        <p:spPr>
+          <a:xfrm>
+            <a:off x="924375" y="1564775"/>
+            <a:ext cx="6616823" cy="3721962"/>
           </a:xfrm>
           <a:prstGeom prst="rect">
             <a:avLst/>
           </a:prstGeom>
-          <a:noFill/>
-          <a:extLst>
-            <a:ext uri="{909E8E84-426E-40DD-AFC4-6F175D3DCCD1}">
-              <a14:hiddenFill xmlns:a14="http://schemas.microsoft.com/office/drawing/2010/main">
-                <a:solidFill>
-                  <a:srgbClr val="FFFFFF"/>
-                </a:solidFill>
-              </a14:hiddenFill>
-            </a:ext>
-          </a:extLst>
         </p:spPr>
       </p:pic>
       <p:sp>
         <p:nvSpPr>
-          <p:cNvPr id="4158" name="Rectangle 4157">
+          <p:cNvPr id="4171" name="Rectangle 4170">
             <a:extLst>
               <a:ext uri="{FF2B5EF4-FFF2-40B4-BE49-F238E27FC236}">
                 <a16:creationId xmlns:a16="http://schemas.microsoft.com/office/drawing/2014/main" id="{121F5E60-4E89-4B16-A245-12BD9935998D}"/>
@@ -4852,95 +5104,1586 @@
           </a:p>
         </p:txBody>
       </p:sp>
-      <p:sp>
-        <p:nvSpPr>
-          <p:cNvPr id="2" name="Título 1">
-            <a:extLst>
-              <a:ext uri="{FF2B5EF4-FFF2-40B4-BE49-F238E27FC236}">
-                <a16:creationId xmlns:a16="http://schemas.microsoft.com/office/drawing/2014/main" id="{A04705A6-2D97-4A48-EF04-EF1F916C7A3E}"/>
-              </a:ext>
-            </a:extLst>
-          </p:cNvPr>
-          <p:cNvSpPr>
-            <a:spLocks noGrp="1"/>
-          </p:cNvSpPr>
-          <p:nvPr>
-            <p:ph type="title"/>
-          </p:nvPr>
-        </p:nvSpPr>
-        <p:spPr>
-          <a:xfrm>
-            <a:off x="8318090" y="758952"/>
-            <a:ext cx="3337998" cy="4041648"/>
-          </a:xfrm>
-        </p:spPr>
-        <p:txBody>
-          <a:bodyPr vert="horz" lIns="91440" tIns="45720" rIns="91440" bIns="45720" rtlCol="0" anchor="b">
-            <a:normAutofit/>
-          </a:bodyPr>
-          <a:lstStyle/>
-          <a:p>
-            <a:pPr>
-              <a:lnSpc>
-                <a:spcPct val="85000"/>
-              </a:lnSpc>
-            </a:pPr>
-            <a:r>
-              <a:rPr lang="en-US" dirty="0" err="1">
-                <a:solidFill>
-                  <a:srgbClr val="FFFFFF"/>
-                </a:solidFill>
-              </a:rPr>
-              <a:t>Diagrama</a:t>
-            </a:r>
-            <a:r>
-              <a:rPr lang="en-US" dirty="0">
-                <a:solidFill>
-                  <a:srgbClr val="FFFFFF"/>
-                </a:solidFill>
-              </a:rPr>
-              <a:t> de </a:t>
-            </a:r>
-            <a:br>
-              <a:rPr lang="en-US" dirty="0">
-                <a:solidFill>
-                  <a:srgbClr val="FFFFFF"/>
-                </a:solidFill>
-              </a:rPr>
-            </a:br>
-            <a:r>
-              <a:rPr lang="en-US" dirty="0">
-                <a:solidFill>
-                  <a:srgbClr val="FFFFFF"/>
-                </a:solidFill>
-              </a:rPr>
-              <a:t>Caso de </a:t>
-            </a:r>
-            <a:r>
-              <a:rPr lang="en-US" dirty="0" err="1">
-                <a:solidFill>
-                  <a:srgbClr val="FFFFFF"/>
-                </a:solidFill>
-              </a:rPr>
-              <a:t>Uso</a:t>
-            </a:r>
-            <a:endParaRPr lang="en-US" dirty="0">
-              <a:solidFill>
-                <a:srgbClr val="FFFFFF"/>
-              </a:solidFill>
-            </a:endParaRPr>
-          </a:p>
-        </p:txBody>
-      </p:sp>
     </p:spTree>
     <p:extLst>
       <p:ext uri="{BB962C8B-B14F-4D97-AF65-F5344CB8AC3E}">
-        <p14:creationId xmlns:p14="http://schemas.microsoft.com/office/powerpoint/2010/main" val="2338021281"/>
+        <p14:creationId xmlns:p14="http://schemas.microsoft.com/office/powerpoint/2010/main" val="2070103643"/>
       </p:ext>
     </p:extLst>
   </p:cSld>
   <p:clrMapOvr>
     <a:overrideClrMapping bg1="lt1" tx1="dk1" bg2="lt2" tx2="dk2" accent1="accent1" accent2="accent2" accent3="accent3" accent4="accent4" accent5="accent5" accent6="accent6" hlink="hlink" folHlink="folHlink"/>
+  </p:clrMapOvr>
+</p:sld>
+</file>
+
+<file path=ppt/slides/slide13.xml><?xml version="1.0" encoding="utf-8"?>
+<p:sld xmlns:a="http://schemas.openxmlformats.org/drawingml/2006/main" xmlns:r="http://schemas.openxmlformats.org/officeDocument/2006/relationships" xmlns:p="http://schemas.openxmlformats.org/presentationml/2006/main">
+  <p:cSld>
+    <p:bg>
+      <p:bgPr>
+        <a:solidFill>
+          <a:schemeClr val="bg1">
+            <a:tint val="95000"/>
+            <a:satMod val="170000"/>
+          </a:schemeClr>
+        </a:solidFill>
+        <a:effectLst/>
+      </p:bgPr>
+    </p:bg>
+    <p:spTree>
+      <p:nvGrpSpPr>
+        <p:cNvPr id="1" name=""/>
+        <p:cNvGrpSpPr/>
+        <p:nvPr/>
+      </p:nvGrpSpPr>
+      <p:grpSpPr>
+        <a:xfrm>
+          <a:off x="0" y="0"/>
+          <a:ext cx="0" cy="0"/>
+          <a:chOff x="0" y="0"/>
+          <a:chExt cx="0" cy="0"/>
+        </a:xfrm>
+      </p:grpSpPr>
+      <p:sp useBgFill="1">
+        <p:nvSpPr>
+          <p:cNvPr id="8" name="Rectangle 7">
+            <a:extLst>
+              <a:ext uri="{FF2B5EF4-FFF2-40B4-BE49-F238E27FC236}">
+                <a16:creationId xmlns:a16="http://schemas.microsoft.com/office/drawing/2014/main" id="{5DB0431E-0B04-44A1-9C51-531E28D18A60}"/>
+              </a:ext>
+              <a:ext uri="{C183D7F6-B498-43B3-948B-1728B52AA6E4}">
+                <adec:decorative xmlns:adec="http://schemas.microsoft.com/office/drawing/2017/decorative" val="1"/>
+              </a:ext>
+            </a:extLst>
+          </p:cNvPr>
+          <p:cNvSpPr>
+            <a:spLocks noGrp="1" noRot="1" noChangeAspect="1" noMove="1" noResize="1" noEditPoints="1" noAdjustHandles="1" noChangeArrowheads="1" noChangeShapeType="1" noTextEdit="1"/>
+          </p:cNvSpPr>
+          <p:nvPr>
+            <p:extLst>
+              <p:ext uri="{386F3935-93C4-4BCD-93E2-E3B085C9AB24}">
+                <p16:designElem xmlns:p16="http://schemas.microsoft.com/office/powerpoint/2015/main" val="1"/>
+              </p:ext>
+            </p:extLst>
+          </p:nvPr>
+        </p:nvSpPr>
+        <p:spPr>
+          <a:xfrm>
+            <a:off x="0" y="0"/>
+            <a:ext cx="12192000" cy="6858000"/>
+          </a:xfrm>
+          <a:prstGeom prst="rect">
+            <a:avLst/>
+          </a:prstGeom>
+          <a:ln>
+            <a:noFill/>
+          </a:ln>
+        </p:spPr>
+        <p:style>
+          <a:lnRef idx="2">
+            <a:schemeClr val="accent1">
+              <a:shade val="50000"/>
+            </a:schemeClr>
+          </a:lnRef>
+          <a:fillRef idx="1">
+            <a:schemeClr val="accent1"/>
+          </a:fillRef>
+          <a:effectRef idx="0">
+            <a:schemeClr val="accent1"/>
+          </a:effectRef>
+          <a:fontRef idx="minor">
+            <a:schemeClr val="lt1"/>
+          </a:fontRef>
+        </p:style>
+        <p:txBody>
+          <a:bodyPr rtlCol="0" anchor="ctr"/>
+          <a:lstStyle/>
+          <a:p>
+            <a:pPr algn="ctr"/>
+            <a:endParaRPr lang="en-US"/>
+          </a:p>
+        </p:txBody>
+      </p:sp>
+      <p:sp>
+        <p:nvSpPr>
+          <p:cNvPr id="2" name="Título 1">
+            <a:extLst>
+              <a:ext uri="{FF2B5EF4-FFF2-40B4-BE49-F238E27FC236}">
+                <a16:creationId xmlns:a16="http://schemas.microsoft.com/office/drawing/2014/main" id="{A04705A6-2D97-4A48-EF04-EF1F916C7A3E}"/>
+              </a:ext>
+            </a:extLst>
+          </p:cNvPr>
+          <p:cNvSpPr>
+            <a:spLocks noGrp="1"/>
+          </p:cNvSpPr>
+          <p:nvPr>
+            <p:ph type="title"/>
+          </p:nvPr>
+        </p:nvSpPr>
+        <p:spPr>
+          <a:xfrm>
+            <a:off x="0" y="3046112"/>
+            <a:ext cx="11277600" cy="765776"/>
+          </a:xfrm>
+        </p:spPr>
+        <p:txBody>
+          <a:bodyPr>
+            <a:normAutofit/>
+          </a:bodyPr>
+          <a:lstStyle/>
+          <a:p>
+            <a:pPr algn="ctr"/>
+            <a:r>
+              <a:rPr lang="en-US" dirty="0" err="1"/>
+              <a:t>Regras</a:t>
+            </a:r>
+            <a:r>
+              <a:rPr lang="en-US" dirty="0"/>
+              <a:t> de </a:t>
+            </a:r>
+            <a:r>
+              <a:rPr lang="en-US" dirty="0" err="1"/>
+              <a:t>Negócio</a:t>
+            </a:r>
+            <a:endParaRPr lang="en-US" dirty="0"/>
+          </a:p>
+        </p:txBody>
+      </p:sp>
+      <p:sp>
+        <p:nvSpPr>
+          <p:cNvPr id="10" name="Rectangle 9">
+            <a:extLst>
+              <a:ext uri="{FF2B5EF4-FFF2-40B4-BE49-F238E27FC236}">
+                <a16:creationId xmlns:a16="http://schemas.microsoft.com/office/drawing/2014/main" id="{6B424749-EEE0-49C9-9ABF-97B171A3EA00}"/>
+              </a:ext>
+              <a:ext uri="{C183D7F6-B498-43B3-948B-1728B52AA6E4}">
+                <adec:decorative xmlns:adec="http://schemas.microsoft.com/office/drawing/2017/decorative" val="1"/>
+              </a:ext>
+            </a:extLst>
+          </p:cNvPr>
+          <p:cNvSpPr>
+            <a:spLocks noGrp="1" noRot="1" noChangeAspect="1" noMove="1" noResize="1" noEditPoints="1" noAdjustHandles="1" noChangeArrowheads="1" noChangeShapeType="1" noTextEdit="1"/>
+          </p:cNvSpPr>
+          <p:nvPr>
+            <p:extLst>
+              <p:ext uri="{386F3935-93C4-4BCD-93E2-E3B085C9AB24}">
+                <p16:designElem xmlns:p16="http://schemas.microsoft.com/office/powerpoint/2015/main" val="1"/>
+              </p:ext>
+            </p:extLst>
+          </p:nvPr>
+        </p:nvSpPr>
+        <p:spPr>
+          <a:xfrm>
+            <a:off x="11277600" y="0"/>
+            <a:ext cx="914400" cy="6858000"/>
+          </a:xfrm>
+          <a:prstGeom prst="rect">
+            <a:avLst/>
+          </a:prstGeom>
+          <a:solidFill>
+            <a:schemeClr val="tx2">
+              <a:lumMod val="75000"/>
+            </a:schemeClr>
+          </a:solidFill>
+          <a:ln>
+            <a:noFill/>
+          </a:ln>
+        </p:spPr>
+        <p:style>
+          <a:lnRef idx="2">
+            <a:schemeClr val="accent1">
+              <a:shade val="50000"/>
+            </a:schemeClr>
+          </a:lnRef>
+          <a:fillRef idx="1">
+            <a:schemeClr val="accent1"/>
+          </a:fillRef>
+          <a:effectRef idx="0">
+            <a:schemeClr val="accent1"/>
+          </a:effectRef>
+          <a:fontRef idx="minor">
+            <a:schemeClr val="lt1"/>
+          </a:fontRef>
+        </p:style>
+        <p:txBody>
+          <a:bodyPr/>
+          <a:lstStyle/>
+          <a:p>
+            <a:endParaRPr lang="en-US"/>
+          </a:p>
+        </p:txBody>
+      </p:sp>
+    </p:spTree>
+    <p:extLst>
+      <p:ext uri="{BB962C8B-B14F-4D97-AF65-F5344CB8AC3E}">
+        <p14:creationId xmlns:p14="http://schemas.microsoft.com/office/powerpoint/2010/main" val="4042582665"/>
+      </p:ext>
+    </p:extLst>
+  </p:cSld>
+  <p:clrMapOvr>
+    <a:overrideClrMapping bg1="dk1" tx1="lt1" bg2="dk2" tx2="lt2" accent1="accent1" accent2="accent2" accent3="accent3" accent4="accent4" accent5="accent5" accent6="accent6" hlink="hlink" folHlink="folHlink"/>
+  </p:clrMapOvr>
+</p:sld>
+</file>
+
+<file path=ppt/slides/slide14.xml><?xml version="1.0" encoding="utf-8"?>
+<p:sld xmlns:a="http://schemas.openxmlformats.org/drawingml/2006/main" xmlns:r="http://schemas.openxmlformats.org/officeDocument/2006/relationships" xmlns:p="http://schemas.openxmlformats.org/presentationml/2006/main">
+  <p:cSld>
+    <p:bg>
+      <p:bgPr>
+        <a:solidFill>
+          <a:schemeClr val="bg1">
+            <a:tint val="95000"/>
+            <a:satMod val="170000"/>
+          </a:schemeClr>
+        </a:solidFill>
+        <a:effectLst/>
+      </p:bgPr>
+    </p:bg>
+    <p:spTree>
+      <p:nvGrpSpPr>
+        <p:cNvPr id="1" name=""/>
+        <p:cNvGrpSpPr/>
+        <p:nvPr/>
+      </p:nvGrpSpPr>
+      <p:grpSpPr>
+        <a:xfrm>
+          <a:off x="0" y="0"/>
+          <a:ext cx="0" cy="0"/>
+          <a:chOff x="0" y="0"/>
+          <a:chExt cx="0" cy="0"/>
+        </a:xfrm>
+      </p:grpSpPr>
+      <p:sp useBgFill="1">
+        <p:nvSpPr>
+          <p:cNvPr id="8" name="Rectangle 7">
+            <a:extLst>
+              <a:ext uri="{FF2B5EF4-FFF2-40B4-BE49-F238E27FC236}">
+                <a16:creationId xmlns:a16="http://schemas.microsoft.com/office/drawing/2014/main" id="{5DB0431E-0B04-44A1-9C51-531E28D18A60}"/>
+              </a:ext>
+              <a:ext uri="{C183D7F6-B498-43B3-948B-1728B52AA6E4}">
+                <adec:decorative xmlns:adec="http://schemas.microsoft.com/office/drawing/2017/decorative" val="1"/>
+              </a:ext>
+            </a:extLst>
+          </p:cNvPr>
+          <p:cNvSpPr>
+            <a:spLocks noGrp="1" noRot="1" noChangeAspect="1" noMove="1" noResize="1" noEditPoints="1" noAdjustHandles="1" noChangeArrowheads="1" noChangeShapeType="1" noTextEdit="1"/>
+          </p:cNvSpPr>
+          <p:nvPr>
+            <p:extLst>
+              <p:ext uri="{386F3935-93C4-4BCD-93E2-E3B085C9AB24}">
+                <p16:designElem xmlns:p16="http://schemas.microsoft.com/office/powerpoint/2015/main" val="1"/>
+              </p:ext>
+            </p:extLst>
+          </p:nvPr>
+        </p:nvSpPr>
+        <p:spPr>
+          <a:xfrm>
+            <a:off x="0" y="0"/>
+            <a:ext cx="12192000" cy="6858000"/>
+          </a:xfrm>
+          <a:prstGeom prst="rect">
+            <a:avLst/>
+          </a:prstGeom>
+          <a:ln>
+            <a:noFill/>
+          </a:ln>
+        </p:spPr>
+        <p:style>
+          <a:lnRef idx="2">
+            <a:schemeClr val="accent1">
+              <a:shade val="50000"/>
+            </a:schemeClr>
+          </a:lnRef>
+          <a:fillRef idx="1">
+            <a:schemeClr val="accent1"/>
+          </a:fillRef>
+          <a:effectRef idx="0">
+            <a:schemeClr val="accent1"/>
+          </a:effectRef>
+          <a:fontRef idx="minor">
+            <a:schemeClr val="lt1"/>
+          </a:fontRef>
+        </p:style>
+        <p:txBody>
+          <a:bodyPr rtlCol="0" anchor="ctr"/>
+          <a:lstStyle/>
+          <a:p>
+            <a:pPr algn="ctr"/>
+            <a:endParaRPr lang="en-US"/>
+          </a:p>
+        </p:txBody>
+      </p:sp>
+      <p:sp>
+        <p:nvSpPr>
+          <p:cNvPr id="2" name="Título 1">
+            <a:extLst>
+              <a:ext uri="{FF2B5EF4-FFF2-40B4-BE49-F238E27FC236}">
+                <a16:creationId xmlns:a16="http://schemas.microsoft.com/office/drawing/2014/main" id="{A04705A6-2D97-4A48-EF04-EF1F916C7A3E}"/>
+              </a:ext>
+            </a:extLst>
+          </p:cNvPr>
+          <p:cNvSpPr>
+            <a:spLocks noGrp="1"/>
+          </p:cNvSpPr>
+          <p:nvPr>
+            <p:ph type="title"/>
+          </p:nvPr>
+        </p:nvSpPr>
+        <p:spPr>
+          <a:xfrm>
+            <a:off x="1261872" y="365760"/>
+            <a:ext cx="9692640" cy="1325562"/>
+          </a:xfrm>
+        </p:spPr>
+        <p:txBody>
+          <a:bodyPr>
+            <a:normAutofit/>
+          </a:bodyPr>
+          <a:lstStyle/>
+          <a:p>
+            <a:r>
+              <a:rPr lang="en-US" dirty="0" err="1"/>
+              <a:t>Cadastro</a:t>
+            </a:r>
+            <a:r>
+              <a:rPr lang="en-US" dirty="0"/>
+              <a:t> de ONG e </a:t>
+            </a:r>
+            <a:r>
+              <a:rPr lang="en-US" dirty="0" err="1"/>
+              <a:t>Usuário</a:t>
+            </a:r>
+            <a:endParaRPr lang="en-US" dirty="0"/>
+          </a:p>
+        </p:txBody>
+      </p:sp>
+      <p:sp>
+        <p:nvSpPr>
+          <p:cNvPr id="3" name="Espaço Reservado para Conteúdo 2">
+            <a:extLst>
+              <a:ext uri="{FF2B5EF4-FFF2-40B4-BE49-F238E27FC236}">
+                <a16:creationId xmlns:a16="http://schemas.microsoft.com/office/drawing/2014/main" id="{1159F3F1-947C-17F3-9482-37474142D56A}"/>
+              </a:ext>
+            </a:extLst>
+          </p:cNvPr>
+          <p:cNvSpPr>
+            <a:spLocks noGrp="1"/>
+          </p:cNvSpPr>
+          <p:nvPr>
+            <p:ph idx="1"/>
+          </p:nvPr>
+        </p:nvSpPr>
+        <p:spPr>
+          <a:xfrm>
+            <a:off x="1261872" y="1828800"/>
+            <a:ext cx="8595360" cy="4351337"/>
+          </a:xfrm>
+        </p:spPr>
+        <p:txBody>
+          <a:bodyPr>
+            <a:normAutofit/>
+          </a:bodyPr>
+          <a:lstStyle/>
+          <a:p>
+            <a:endParaRPr lang="en-US" dirty="0"/>
+          </a:p>
+          <a:p>
+            <a:r>
+              <a:rPr lang="pt-BR" dirty="0"/>
+              <a:t>Para cadastrar uma ONG a mesma deve preencher um formulário com as informações necessárias, esse formulário será enviado para o admin do sistema, onde ele aprovará ou não. Após a aprovação a ONG será criada, assim como um colaborador pertencente a ela e um login pertencente a ele.</a:t>
+            </a:r>
+          </a:p>
+          <a:p>
+            <a:r>
+              <a:rPr lang="pt-BR" dirty="0"/>
+              <a:t>Somente o </a:t>
+            </a:r>
+            <a:r>
+              <a:rPr lang="pt-BR" dirty="0" err="1"/>
+              <a:t>SuperAdmin</a:t>
+            </a:r>
+            <a:r>
+              <a:rPr lang="pt-BR" dirty="0"/>
+              <a:t> do sistema deve poder criar ONG, Colaborador e Login.</a:t>
+            </a:r>
+          </a:p>
+        </p:txBody>
+      </p:sp>
+      <p:sp>
+        <p:nvSpPr>
+          <p:cNvPr id="10" name="Rectangle 9">
+            <a:extLst>
+              <a:ext uri="{FF2B5EF4-FFF2-40B4-BE49-F238E27FC236}">
+                <a16:creationId xmlns:a16="http://schemas.microsoft.com/office/drawing/2014/main" id="{6B424749-EEE0-49C9-9ABF-97B171A3EA00}"/>
+              </a:ext>
+              <a:ext uri="{C183D7F6-B498-43B3-948B-1728B52AA6E4}">
+                <adec:decorative xmlns:adec="http://schemas.microsoft.com/office/drawing/2017/decorative" val="1"/>
+              </a:ext>
+            </a:extLst>
+          </p:cNvPr>
+          <p:cNvSpPr>
+            <a:spLocks noGrp="1" noRot="1" noChangeAspect="1" noMove="1" noResize="1" noEditPoints="1" noAdjustHandles="1" noChangeArrowheads="1" noChangeShapeType="1" noTextEdit="1"/>
+          </p:cNvSpPr>
+          <p:nvPr>
+            <p:extLst>
+              <p:ext uri="{386F3935-93C4-4BCD-93E2-E3B085C9AB24}">
+                <p16:designElem xmlns:p16="http://schemas.microsoft.com/office/powerpoint/2015/main" val="1"/>
+              </p:ext>
+            </p:extLst>
+          </p:nvPr>
+        </p:nvSpPr>
+        <p:spPr>
+          <a:xfrm>
+            <a:off x="11277600" y="0"/>
+            <a:ext cx="914400" cy="6858000"/>
+          </a:xfrm>
+          <a:prstGeom prst="rect">
+            <a:avLst/>
+          </a:prstGeom>
+          <a:solidFill>
+            <a:schemeClr val="tx2">
+              <a:lumMod val="75000"/>
+            </a:schemeClr>
+          </a:solidFill>
+          <a:ln>
+            <a:noFill/>
+          </a:ln>
+        </p:spPr>
+        <p:style>
+          <a:lnRef idx="2">
+            <a:schemeClr val="accent1">
+              <a:shade val="50000"/>
+            </a:schemeClr>
+          </a:lnRef>
+          <a:fillRef idx="1">
+            <a:schemeClr val="accent1"/>
+          </a:fillRef>
+          <a:effectRef idx="0">
+            <a:schemeClr val="accent1"/>
+          </a:effectRef>
+          <a:fontRef idx="minor">
+            <a:schemeClr val="lt1"/>
+          </a:fontRef>
+        </p:style>
+        <p:txBody>
+          <a:bodyPr/>
+          <a:lstStyle/>
+          <a:p>
+            <a:endParaRPr lang="en-US"/>
+          </a:p>
+        </p:txBody>
+      </p:sp>
+    </p:spTree>
+    <p:extLst>
+      <p:ext uri="{BB962C8B-B14F-4D97-AF65-F5344CB8AC3E}">
+        <p14:creationId xmlns:p14="http://schemas.microsoft.com/office/powerpoint/2010/main" val="2772133834"/>
+      </p:ext>
+    </p:extLst>
+  </p:cSld>
+  <p:clrMapOvr>
+    <a:overrideClrMapping bg1="dk1" tx1="lt1" bg2="dk2" tx2="lt2" accent1="accent1" accent2="accent2" accent3="accent3" accent4="accent4" accent5="accent5" accent6="accent6" hlink="hlink" folHlink="folHlink"/>
+  </p:clrMapOvr>
+</p:sld>
+</file>
+
+<file path=ppt/slides/slide15.xml><?xml version="1.0" encoding="utf-8"?>
+<p:sld xmlns:a="http://schemas.openxmlformats.org/drawingml/2006/main" xmlns:r="http://schemas.openxmlformats.org/officeDocument/2006/relationships" xmlns:p="http://schemas.openxmlformats.org/presentationml/2006/main">
+  <p:cSld>
+    <p:bg>
+      <p:bgPr>
+        <a:solidFill>
+          <a:schemeClr val="bg1">
+            <a:tint val="95000"/>
+            <a:satMod val="170000"/>
+          </a:schemeClr>
+        </a:solidFill>
+        <a:effectLst/>
+      </p:bgPr>
+    </p:bg>
+    <p:spTree>
+      <p:nvGrpSpPr>
+        <p:cNvPr id="1" name=""/>
+        <p:cNvGrpSpPr/>
+        <p:nvPr/>
+      </p:nvGrpSpPr>
+      <p:grpSpPr>
+        <a:xfrm>
+          <a:off x="0" y="0"/>
+          <a:ext cx="0" cy="0"/>
+          <a:chOff x="0" y="0"/>
+          <a:chExt cx="0" cy="0"/>
+        </a:xfrm>
+      </p:grpSpPr>
+      <p:sp useBgFill="1">
+        <p:nvSpPr>
+          <p:cNvPr id="8" name="Rectangle 7">
+            <a:extLst>
+              <a:ext uri="{FF2B5EF4-FFF2-40B4-BE49-F238E27FC236}">
+                <a16:creationId xmlns:a16="http://schemas.microsoft.com/office/drawing/2014/main" id="{5DB0431E-0B04-44A1-9C51-531E28D18A60}"/>
+              </a:ext>
+              <a:ext uri="{C183D7F6-B498-43B3-948B-1728B52AA6E4}">
+                <adec:decorative xmlns:adec="http://schemas.microsoft.com/office/drawing/2017/decorative" val="1"/>
+              </a:ext>
+            </a:extLst>
+          </p:cNvPr>
+          <p:cNvSpPr>
+            <a:spLocks noGrp="1" noRot="1" noChangeAspect="1" noMove="1" noResize="1" noEditPoints="1" noAdjustHandles="1" noChangeArrowheads="1" noChangeShapeType="1" noTextEdit="1"/>
+          </p:cNvSpPr>
+          <p:nvPr>
+            <p:extLst>
+              <p:ext uri="{386F3935-93C4-4BCD-93E2-E3B085C9AB24}">
+                <p16:designElem xmlns:p16="http://schemas.microsoft.com/office/powerpoint/2015/main" val="1"/>
+              </p:ext>
+            </p:extLst>
+          </p:nvPr>
+        </p:nvSpPr>
+        <p:spPr>
+          <a:xfrm>
+            <a:off x="0" y="0"/>
+            <a:ext cx="12192000" cy="6858000"/>
+          </a:xfrm>
+          <a:prstGeom prst="rect">
+            <a:avLst/>
+          </a:prstGeom>
+          <a:ln>
+            <a:noFill/>
+          </a:ln>
+        </p:spPr>
+        <p:style>
+          <a:lnRef idx="2">
+            <a:schemeClr val="accent1">
+              <a:shade val="50000"/>
+            </a:schemeClr>
+          </a:lnRef>
+          <a:fillRef idx="1">
+            <a:schemeClr val="accent1"/>
+          </a:fillRef>
+          <a:effectRef idx="0">
+            <a:schemeClr val="accent1"/>
+          </a:effectRef>
+          <a:fontRef idx="minor">
+            <a:schemeClr val="lt1"/>
+          </a:fontRef>
+        </p:style>
+        <p:txBody>
+          <a:bodyPr rtlCol="0" anchor="ctr"/>
+          <a:lstStyle/>
+          <a:p>
+            <a:pPr algn="ctr"/>
+            <a:endParaRPr lang="en-US"/>
+          </a:p>
+        </p:txBody>
+      </p:sp>
+      <p:sp>
+        <p:nvSpPr>
+          <p:cNvPr id="2" name="Título 1">
+            <a:extLst>
+              <a:ext uri="{FF2B5EF4-FFF2-40B4-BE49-F238E27FC236}">
+                <a16:creationId xmlns:a16="http://schemas.microsoft.com/office/drawing/2014/main" id="{A04705A6-2D97-4A48-EF04-EF1F916C7A3E}"/>
+              </a:ext>
+            </a:extLst>
+          </p:cNvPr>
+          <p:cNvSpPr>
+            <a:spLocks noGrp="1"/>
+          </p:cNvSpPr>
+          <p:nvPr>
+            <p:ph type="title"/>
+          </p:nvPr>
+        </p:nvSpPr>
+        <p:spPr>
+          <a:xfrm>
+            <a:off x="1261872" y="365760"/>
+            <a:ext cx="9692640" cy="1325562"/>
+          </a:xfrm>
+        </p:spPr>
+        <p:txBody>
+          <a:bodyPr>
+            <a:normAutofit/>
+          </a:bodyPr>
+          <a:lstStyle/>
+          <a:p>
+            <a:r>
+              <a:rPr lang="en-US" dirty="0" err="1"/>
+              <a:t>Regras</a:t>
+            </a:r>
+            <a:r>
+              <a:rPr lang="en-US" dirty="0"/>
+              <a:t> para ONG</a:t>
+            </a:r>
+          </a:p>
+        </p:txBody>
+      </p:sp>
+      <p:sp>
+        <p:nvSpPr>
+          <p:cNvPr id="3" name="Espaço Reservado para Conteúdo 2">
+            <a:extLst>
+              <a:ext uri="{FF2B5EF4-FFF2-40B4-BE49-F238E27FC236}">
+                <a16:creationId xmlns:a16="http://schemas.microsoft.com/office/drawing/2014/main" id="{1159F3F1-947C-17F3-9482-37474142D56A}"/>
+              </a:ext>
+            </a:extLst>
+          </p:cNvPr>
+          <p:cNvSpPr>
+            <a:spLocks noGrp="1"/>
+          </p:cNvSpPr>
+          <p:nvPr>
+            <p:ph idx="1"/>
+          </p:nvPr>
+        </p:nvSpPr>
+        <p:spPr>
+          <a:xfrm>
+            <a:off x="1261872" y="1828800"/>
+            <a:ext cx="8595360" cy="4351337"/>
+          </a:xfrm>
+        </p:spPr>
+        <p:txBody>
+          <a:bodyPr>
+            <a:normAutofit/>
+          </a:bodyPr>
+          <a:lstStyle/>
+          <a:p>
+            <a:endParaRPr lang="en-US" dirty="0"/>
+          </a:p>
+          <a:p>
+            <a:r>
+              <a:rPr lang="en-US" dirty="0" err="1"/>
+              <a:t>Somente</a:t>
+            </a:r>
+            <a:r>
+              <a:rPr lang="en-US" dirty="0"/>
+              <a:t> </a:t>
+            </a:r>
+            <a:r>
+              <a:rPr lang="en-US" dirty="0" err="1"/>
+              <a:t>SuperAdmin</a:t>
+            </a:r>
+            <a:r>
+              <a:rPr lang="en-US" dirty="0"/>
+              <a:t> </a:t>
+            </a:r>
+            <a:r>
+              <a:rPr lang="en-US" dirty="0" err="1"/>
+              <a:t>podem</a:t>
+            </a:r>
+            <a:r>
+              <a:rPr lang="en-US" dirty="0"/>
+              <a:t> </a:t>
+            </a:r>
+            <a:r>
+              <a:rPr lang="en-US" dirty="0" err="1"/>
+              <a:t>cadastrar</a:t>
+            </a:r>
+            <a:r>
+              <a:rPr lang="en-US" dirty="0"/>
+              <a:t> e </a:t>
+            </a:r>
+            <a:r>
+              <a:rPr lang="en-US" dirty="0" err="1"/>
+              <a:t>deletar</a:t>
+            </a:r>
+            <a:r>
+              <a:rPr lang="en-US" dirty="0"/>
+              <a:t> </a:t>
+            </a:r>
+            <a:r>
+              <a:rPr lang="en-US" dirty="0" err="1"/>
+              <a:t>uma</a:t>
+            </a:r>
+            <a:r>
+              <a:rPr lang="en-US" dirty="0"/>
+              <a:t> ONG.</a:t>
+            </a:r>
+          </a:p>
+          <a:p>
+            <a:r>
+              <a:rPr lang="en-US" dirty="0" err="1"/>
+              <a:t>GetAll</a:t>
+            </a:r>
+            <a:r>
+              <a:rPr lang="en-US" dirty="0"/>
+              <a:t> e </a:t>
+            </a:r>
+            <a:r>
+              <a:rPr lang="en-US" dirty="0" err="1"/>
+              <a:t>GetById</a:t>
+            </a:r>
+            <a:r>
+              <a:rPr lang="en-US" dirty="0"/>
+              <a:t> </a:t>
+            </a:r>
+            <a:r>
+              <a:rPr lang="en-US" dirty="0" err="1"/>
+              <a:t>devem</a:t>
+            </a:r>
+            <a:r>
+              <a:rPr lang="en-US" dirty="0"/>
+              <a:t> ser </a:t>
+            </a:r>
+            <a:r>
+              <a:rPr lang="en-US" dirty="0" err="1"/>
+              <a:t>públicos</a:t>
+            </a:r>
+            <a:r>
+              <a:rPr lang="en-US" dirty="0"/>
+              <a:t>, mas com </a:t>
+            </a:r>
+            <a:r>
+              <a:rPr lang="en-US" dirty="0" err="1"/>
+              <a:t>uma</a:t>
+            </a:r>
+            <a:r>
+              <a:rPr lang="en-US" dirty="0"/>
+              <a:t> flag </a:t>
+            </a:r>
+            <a:r>
+              <a:rPr lang="en-US" dirty="0" err="1"/>
+              <a:t>TenantFiltro</a:t>
+            </a:r>
+            <a:r>
+              <a:rPr lang="en-US" dirty="0"/>
+              <a:t>, </a:t>
+            </a:r>
+            <a:r>
+              <a:rPr lang="en-US" dirty="0" err="1"/>
+              <a:t>caso</a:t>
+            </a:r>
+            <a:r>
+              <a:rPr lang="en-US" dirty="0"/>
+              <a:t> True, </a:t>
+            </a:r>
+            <a:r>
+              <a:rPr lang="en-US" dirty="0" err="1"/>
+              <a:t>deve</a:t>
+            </a:r>
+            <a:r>
+              <a:rPr lang="en-US" dirty="0"/>
+              <a:t> </a:t>
+            </a:r>
+            <a:r>
+              <a:rPr lang="en-US" dirty="0" err="1"/>
+              <a:t>retornar</a:t>
+            </a:r>
+            <a:r>
+              <a:rPr lang="en-US" dirty="0"/>
+              <a:t> </a:t>
+            </a:r>
+            <a:r>
+              <a:rPr lang="en-US" dirty="0" err="1"/>
+              <a:t>apenas</a:t>
+            </a:r>
+            <a:r>
+              <a:rPr lang="en-US" dirty="0"/>
+              <a:t> a ONG do </a:t>
+            </a:r>
+            <a:r>
+              <a:rPr lang="en-US" dirty="0" err="1"/>
+              <a:t>usuário</a:t>
+            </a:r>
+            <a:r>
+              <a:rPr lang="en-US" dirty="0"/>
+              <a:t> </a:t>
+            </a:r>
+            <a:r>
+              <a:rPr lang="en-US" dirty="0" err="1"/>
+              <a:t>logado</a:t>
+            </a:r>
+            <a:r>
+              <a:rPr lang="en-US" dirty="0"/>
+              <a:t>.</a:t>
+            </a:r>
+          </a:p>
+          <a:p>
+            <a:r>
+              <a:rPr lang="en-US" dirty="0" err="1"/>
+              <a:t>Somente</a:t>
+            </a:r>
+            <a:r>
+              <a:rPr lang="en-US" dirty="0"/>
+              <a:t> um </a:t>
+            </a:r>
+            <a:r>
+              <a:rPr lang="en-US" dirty="0" err="1"/>
+              <a:t>colaborador</a:t>
+            </a:r>
+            <a:r>
+              <a:rPr lang="en-US" dirty="0"/>
+              <a:t> da ONG pode </a:t>
+            </a:r>
+            <a:r>
+              <a:rPr lang="en-US" dirty="0" err="1"/>
+              <a:t>atualizar</a:t>
+            </a:r>
+            <a:r>
+              <a:rPr lang="en-US" dirty="0"/>
+              <a:t> </a:t>
+            </a:r>
+            <a:r>
+              <a:rPr lang="en-US" dirty="0" err="1"/>
+              <a:t>suas</a:t>
+            </a:r>
+            <a:r>
+              <a:rPr lang="en-US" dirty="0"/>
+              <a:t> </a:t>
+            </a:r>
+            <a:r>
+              <a:rPr lang="en-US" dirty="0" err="1"/>
+              <a:t>informações</a:t>
+            </a:r>
+            <a:r>
+              <a:rPr lang="en-US" dirty="0"/>
+              <a:t>.</a:t>
+            </a:r>
+          </a:p>
+        </p:txBody>
+      </p:sp>
+      <p:sp>
+        <p:nvSpPr>
+          <p:cNvPr id="10" name="Rectangle 9">
+            <a:extLst>
+              <a:ext uri="{FF2B5EF4-FFF2-40B4-BE49-F238E27FC236}">
+                <a16:creationId xmlns:a16="http://schemas.microsoft.com/office/drawing/2014/main" id="{6B424749-EEE0-49C9-9ABF-97B171A3EA00}"/>
+              </a:ext>
+              <a:ext uri="{C183D7F6-B498-43B3-948B-1728B52AA6E4}">
+                <adec:decorative xmlns:adec="http://schemas.microsoft.com/office/drawing/2017/decorative" val="1"/>
+              </a:ext>
+            </a:extLst>
+          </p:cNvPr>
+          <p:cNvSpPr>
+            <a:spLocks noGrp="1" noRot="1" noChangeAspect="1" noMove="1" noResize="1" noEditPoints="1" noAdjustHandles="1" noChangeArrowheads="1" noChangeShapeType="1" noTextEdit="1"/>
+          </p:cNvSpPr>
+          <p:nvPr>
+            <p:extLst>
+              <p:ext uri="{386F3935-93C4-4BCD-93E2-E3B085C9AB24}">
+                <p16:designElem xmlns:p16="http://schemas.microsoft.com/office/powerpoint/2015/main" val="1"/>
+              </p:ext>
+            </p:extLst>
+          </p:nvPr>
+        </p:nvSpPr>
+        <p:spPr>
+          <a:xfrm>
+            <a:off x="11277600" y="0"/>
+            <a:ext cx="914400" cy="6858000"/>
+          </a:xfrm>
+          <a:prstGeom prst="rect">
+            <a:avLst/>
+          </a:prstGeom>
+          <a:solidFill>
+            <a:schemeClr val="tx2">
+              <a:lumMod val="75000"/>
+            </a:schemeClr>
+          </a:solidFill>
+          <a:ln>
+            <a:noFill/>
+          </a:ln>
+        </p:spPr>
+        <p:style>
+          <a:lnRef idx="2">
+            <a:schemeClr val="accent1">
+              <a:shade val="50000"/>
+            </a:schemeClr>
+          </a:lnRef>
+          <a:fillRef idx="1">
+            <a:schemeClr val="accent1"/>
+          </a:fillRef>
+          <a:effectRef idx="0">
+            <a:schemeClr val="accent1"/>
+          </a:effectRef>
+          <a:fontRef idx="minor">
+            <a:schemeClr val="lt1"/>
+          </a:fontRef>
+        </p:style>
+        <p:txBody>
+          <a:bodyPr/>
+          <a:lstStyle/>
+          <a:p>
+            <a:endParaRPr lang="en-US"/>
+          </a:p>
+        </p:txBody>
+      </p:sp>
+    </p:spTree>
+    <p:extLst>
+      <p:ext uri="{BB962C8B-B14F-4D97-AF65-F5344CB8AC3E}">
+        <p14:creationId xmlns:p14="http://schemas.microsoft.com/office/powerpoint/2010/main" val="1384429353"/>
+      </p:ext>
+    </p:extLst>
+  </p:cSld>
+  <p:clrMapOvr>
+    <a:overrideClrMapping bg1="dk1" tx1="lt1" bg2="dk2" tx2="lt2" accent1="accent1" accent2="accent2" accent3="accent3" accent4="accent4" accent5="accent5" accent6="accent6" hlink="hlink" folHlink="folHlink"/>
+  </p:clrMapOvr>
+</p:sld>
+</file>
+
+<file path=ppt/slides/slide16.xml><?xml version="1.0" encoding="utf-8"?>
+<p:sld xmlns:a="http://schemas.openxmlformats.org/drawingml/2006/main" xmlns:r="http://schemas.openxmlformats.org/officeDocument/2006/relationships" xmlns:p="http://schemas.openxmlformats.org/presentationml/2006/main">
+  <p:cSld>
+    <p:bg>
+      <p:bgPr>
+        <a:solidFill>
+          <a:schemeClr val="bg1">
+            <a:tint val="95000"/>
+            <a:satMod val="170000"/>
+          </a:schemeClr>
+        </a:solidFill>
+        <a:effectLst/>
+      </p:bgPr>
+    </p:bg>
+    <p:spTree>
+      <p:nvGrpSpPr>
+        <p:cNvPr id="1" name=""/>
+        <p:cNvGrpSpPr/>
+        <p:nvPr/>
+      </p:nvGrpSpPr>
+      <p:grpSpPr>
+        <a:xfrm>
+          <a:off x="0" y="0"/>
+          <a:ext cx="0" cy="0"/>
+          <a:chOff x="0" y="0"/>
+          <a:chExt cx="0" cy="0"/>
+        </a:xfrm>
+      </p:grpSpPr>
+      <p:sp useBgFill="1">
+        <p:nvSpPr>
+          <p:cNvPr id="8" name="Rectangle 7">
+            <a:extLst>
+              <a:ext uri="{FF2B5EF4-FFF2-40B4-BE49-F238E27FC236}">
+                <a16:creationId xmlns:a16="http://schemas.microsoft.com/office/drawing/2014/main" id="{5DB0431E-0B04-44A1-9C51-531E28D18A60}"/>
+              </a:ext>
+              <a:ext uri="{C183D7F6-B498-43B3-948B-1728B52AA6E4}">
+                <adec:decorative xmlns:adec="http://schemas.microsoft.com/office/drawing/2017/decorative" val="1"/>
+              </a:ext>
+            </a:extLst>
+          </p:cNvPr>
+          <p:cNvSpPr>
+            <a:spLocks noGrp="1" noRot="1" noChangeAspect="1" noMove="1" noResize="1" noEditPoints="1" noAdjustHandles="1" noChangeArrowheads="1" noChangeShapeType="1" noTextEdit="1"/>
+          </p:cNvSpPr>
+          <p:nvPr>
+            <p:extLst>
+              <p:ext uri="{386F3935-93C4-4BCD-93E2-E3B085C9AB24}">
+                <p16:designElem xmlns:p16="http://schemas.microsoft.com/office/powerpoint/2015/main" val="1"/>
+              </p:ext>
+            </p:extLst>
+          </p:nvPr>
+        </p:nvSpPr>
+        <p:spPr>
+          <a:xfrm>
+            <a:off x="0" y="0"/>
+            <a:ext cx="12192000" cy="6858000"/>
+          </a:xfrm>
+          <a:prstGeom prst="rect">
+            <a:avLst/>
+          </a:prstGeom>
+          <a:ln>
+            <a:noFill/>
+          </a:ln>
+        </p:spPr>
+        <p:style>
+          <a:lnRef idx="2">
+            <a:schemeClr val="accent1">
+              <a:shade val="50000"/>
+            </a:schemeClr>
+          </a:lnRef>
+          <a:fillRef idx="1">
+            <a:schemeClr val="accent1"/>
+          </a:fillRef>
+          <a:effectRef idx="0">
+            <a:schemeClr val="accent1"/>
+          </a:effectRef>
+          <a:fontRef idx="minor">
+            <a:schemeClr val="lt1"/>
+          </a:fontRef>
+        </p:style>
+        <p:txBody>
+          <a:bodyPr rtlCol="0" anchor="ctr"/>
+          <a:lstStyle/>
+          <a:p>
+            <a:pPr algn="ctr"/>
+            <a:endParaRPr lang="en-US"/>
+          </a:p>
+        </p:txBody>
+      </p:sp>
+      <p:sp>
+        <p:nvSpPr>
+          <p:cNvPr id="2" name="Título 1">
+            <a:extLst>
+              <a:ext uri="{FF2B5EF4-FFF2-40B4-BE49-F238E27FC236}">
+                <a16:creationId xmlns:a16="http://schemas.microsoft.com/office/drawing/2014/main" id="{A04705A6-2D97-4A48-EF04-EF1F916C7A3E}"/>
+              </a:ext>
+            </a:extLst>
+          </p:cNvPr>
+          <p:cNvSpPr>
+            <a:spLocks noGrp="1"/>
+          </p:cNvSpPr>
+          <p:nvPr>
+            <p:ph type="title"/>
+          </p:nvPr>
+        </p:nvSpPr>
+        <p:spPr>
+          <a:xfrm>
+            <a:off x="1261872" y="365760"/>
+            <a:ext cx="9692640" cy="1325562"/>
+          </a:xfrm>
+        </p:spPr>
+        <p:txBody>
+          <a:bodyPr>
+            <a:normAutofit/>
+          </a:bodyPr>
+          <a:lstStyle/>
+          <a:p>
+            <a:r>
+              <a:rPr lang="en-US" dirty="0" err="1"/>
+              <a:t>Regras</a:t>
+            </a:r>
+            <a:r>
+              <a:rPr lang="en-US" dirty="0"/>
+              <a:t> para </a:t>
+            </a:r>
+            <a:r>
+              <a:rPr lang="en-US" dirty="0" err="1"/>
+              <a:t>Usuário</a:t>
+            </a:r>
+            <a:endParaRPr lang="en-US" dirty="0"/>
+          </a:p>
+        </p:txBody>
+      </p:sp>
+      <p:sp>
+        <p:nvSpPr>
+          <p:cNvPr id="3" name="Espaço Reservado para Conteúdo 2">
+            <a:extLst>
+              <a:ext uri="{FF2B5EF4-FFF2-40B4-BE49-F238E27FC236}">
+                <a16:creationId xmlns:a16="http://schemas.microsoft.com/office/drawing/2014/main" id="{1159F3F1-947C-17F3-9482-37474142D56A}"/>
+              </a:ext>
+            </a:extLst>
+          </p:cNvPr>
+          <p:cNvSpPr>
+            <a:spLocks noGrp="1"/>
+          </p:cNvSpPr>
+          <p:nvPr>
+            <p:ph idx="1"/>
+          </p:nvPr>
+        </p:nvSpPr>
+        <p:spPr>
+          <a:xfrm>
+            <a:off x="1261872" y="1828800"/>
+            <a:ext cx="8595360" cy="4351337"/>
+          </a:xfrm>
+        </p:spPr>
+        <p:txBody>
+          <a:bodyPr>
+            <a:normAutofit/>
+          </a:bodyPr>
+          <a:lstStyle/>
+          <a:p>
+            <a:endParaRPr lang="en-US" dirty="0"/>
+          </a:p>
+          <a:p>
+            <a:r>
+              <a:rPr lang="en-US" dirty="0" err="1"/>
+              <a:t>Somente</a:t>
+            </a:r>
+            <a:r>
+              <a:rPr lang="en-US" dirty="0"/>
+              <a:t> </a:t>
+            </a:r>
+            <a:r>
+              <a:rPr lang="en-US" dirty="0" err="1"/>
+              <a:t>SuperAdmin</a:t>
+            </a:r>
+            <a:r>
+              <a:rPr lang="en-US" dirty="0"/>
+              <a:t> pode </a:t>
+            </a:r>
+            <a:r>
+              <a:rPr lang="en-US" dirty="0" err="1"/>
+              <a:t>cadastrar</a:t>
+            </a:r>
+            <a:r>
+              <a:rPr lang="en-US" dirty="0"/>
+              <a:t> e </a:t>
+            </a:r>
+            <a:r>
+              <a:rPr lang="en-US" dirty="0" err="1"/>
+              <a:t>deletar</a:t>
+            </a:r>
+            <a:r>
+              <a:rPr lang="en-US" dirty="0"/>
+              <a:t> um </a:t>
+            </a:r>
+            <a:r>
+              <a:rPr lang="en-US" dirty="0" err="1"/>
+              <a:t>usuário</a:t>
+            </a:r>
+            <a:r>
+              <a:rPr lang="en-US" dirty="0"/>
+              <a:t>.</a:t>
+            </a:r>
+          </a:p>
+        </p:txBody>
+      </p:sp>
+      <p:sp>
+        <p:nvSpPr>
+          <p:cNvPr id="10" name="Rectangle 9">
+            <a:extLst>
+              <a:ext uri="{FF2B5EF4-FFF2-40B4-BE49-F238E27FC236}">
+                <a16:creationId xmlns:a16="http://schemas.microsoft.com/office/drawing/2014/main" id="{6B424749-EEE0-49C9-9ABF-97B171A3EA00}"/>
+              </a:ext>
+              <a:ext uri="{C183D7F6-B498-43B3-948B-1728B52AA6E4}">
+                <adec:decorative xmlns:adec="http://schemas.microsoft.com/office/drawing/2017/decorative" val="1"/>
+              </a:ext>
+            </a:extLst>
+          </p:cNvPr>
+          <p:cNvSpPr>
+            <a:spLocks noGrp="1" noRot="1" noChangeAspect="1" noMove="1" noResize="1" noEditPoints="1" noAdjustHandles="1" noChangeArrowheads="1" noChangeShapeType="1" noTextEdit="1"/>
+          </p:cNvSpPr>
+          <p:nvPr>
+            <p:extLst>
+              <p:ext uri="{386F3935-93C4-4BCD-93E2-E3B085C9AB24}">
+                <p16:designElem xmlns:p16="http://schemas.microsoft.com/office/powerpoint/2015/main" val="1"/>
+              </p:ext>
+            </p:extLst>
+          </p:nvPr>
+        </p:nvSpPr>
+        <p:spPr>
+          <a:xfrm>
+            <a:off x="11277600" y="0"/>
+            <a:ext cx="914400" cy="6858000"/>
+          </a:xfrm>
+          <a:prstGeom prst="rect">
+            <a:avLst/>
+          </a:prstGeom>
+          <a:solidFill>
+            <a:schemeClr val="tx2">
+              <a:lumMod val="75000"/>
+            </a:schemeClr>
+          </a:solidFill>
+          <a:ln>
+            <a:noFill/>
+          </a:ln>
+        </p:spPr>
+        <p:style>
+          <a:lnRef idx="2">
+            <a:schemeClr val="accent1">
+              <a:shade val="50000"/>
+            </a:schemeClr>
+          </a:lnRef>
+          <a:fillRef idx="1">
+            <a:schemeClr val="accent1"/>
+          </a:fillRef>
+          <a:effectRef idx="0">
+            <a:schemeClr val="accent1"/>
+          </a:effectRef>
+          <a:fontRef idx="minor">
+            <a:schemeClr val="lt1"/>
+          </a:fontRef>
+        </p:style>
+        <p:txBody>
+          <a:bodyPr/>
+          <a:lstStyle/>
+          <a:p>
+            <a:endParaRPr lang="en-US"/>
+          </a:p>
+        </p:txBody>
+      </p:sp>
+    </p:spTree>
+    <p:extLst>
+      <p:ext uri="{BB962C8B-B14F-4D97-AF65-F5344CB8AC3E}">
+        <p14:creationId xmlns:p14="http://schemas.microsoft.com/office/powerpoint/2010/main" val="1932683072"/>
+      </p:ext>
+    </p:extLst>
+  </p:cSld>
+  <p:clrMapOvr>
+    <a:overrideClrMapping bg1="dk1" tx1="lt1" bg2="dk2" tx2="lt2" accent1="accent1" accent2="accent2" accent3="accent3" accent4="accent4" accent5="accent5" accent6="accent6" hlink="hlink" folHlink="folHlink"/>
+  </p:clrMapOvr>
+</p:sld>
+</file>
+
+<file path=ppt/slides/slide17.xml><?xml version="1.0" encoding="utf-8"?>
+<p:sld xmlns:a="http://schemas.openxmlformats.org/drawingml/2006/main" xmlns:r="http://schemas.openxmlformats.org/officeDocument/2006/relationships" xmlns:p="http://schemas.openxmlformats.org/presentationml/2006/main">
+  <p:cSld>
+    <p:bg>
+      <p:bgPr>
+        <a:solidFill>
+          <a:schemeClr val="bg1">
+            <a:tint val="95000"/>
+            <a:satMod val="170000"/>
+          </a:schemeClr>
+        </a:solidFill>
+        <a:effectLst/>
+      </p:bgPr>
+    </p:bg>
+    <p:spTree>
+      <p:nvGrpSpPr>
+        <p:cNvPr id="1" name=""/>
+        <p:cNvGrpSpPr/>
+        <p:nvPr/>
+      </p:nvGrpSpPr>
+      <p:grpSpPr>
+        <a:xfrm>
+          <a:off x="0" y="0"/>
+          <a:ext cx="0" cy="0"/>
+          <a:chOff x="0" y="0"/>
+          <a:chExt cx="0" cy="0"/>
+        </a:xfrm>
+      </p:grpSpPr>
+      <p:sp useBgFill="1">
+        <p:nvSpPr>
+          <p:cNvPr id="8" name="Rectangle 7">
+            <a:extLst>
+              <a:ext uri="{FF2B5EF4-FFF2-40B4-BE49-F238E27FC236}">
+                <a16:creationId xmlns:a16="http://schemas.microsoft.com/office/drawing/2014/main" id="{5DB0431E-0B04-44A1-9C51-531E28D18A60}"/>
+              </a:ext>
+              <a:ext uri="{C183D7F6-B498-43B3-948B-1728B52AA6E4}">
+                <adec:decorative xmlns:adec="http://schemas.microsoft.com/office/drawing/2017/decorative" val="1"/>
+              </a:ext>
+            </a:extLst>
+          </p:cNvPr>
+          <p:cNvSpPr>
+            <a:spLocks noGrp="1" noRot="1" noChangeAspect="1" noMove="1" noResize="1" noEditPoints="1" noAdjustHandles="1" noChangeArrowheads="1" noChangeShapeType="1" noTextEdit="1"/>
+          </p:cNvSpPr>
+          <p:nvPr>
+            <p:extLst>
+              <p:ext uri="{386F3935-93C4-4BCD-93E2-E3B085C9AB24}">
+                <p16:designElem xmlns:p16="http://schemas.microsoft.com/office/powerpoint/2015/main" val="1"/>
+              </p:ext>
+            </p:extLst>
+          </p:nvPr>
+        </p:nvSpPr>
+        <p:spPr>
+          <a:xfrm>
+            <a:off x="0" y="0"/>
+            <a:ext cx="12192000" cy="6858000"/>
+          </a:xfrm>
+          <a:prstGeom prst="rect">
+            <a:avLst/>
+          </a:prstGeom>
+          <a:ln>
+            <a:noFill/>
+          </a:ln>
+        </p:spPr>
+        <p:style>
+          <a:lnRef idx="2">
+            <a:schemeClr val="accent1">
+              <a:shade val="50000"/>
+            </a:schemeClr>
+          </a:lnRef>
+          <a:fillRef idx="1">
+            <a:schemeClr val="accent1"/>
+          </a:fillRef>
+          <a:effectRef idx="0">
+            <a:schemeClr val="accent1"/>
+          </a:effectRef>
+          <a:fontRef idx="minor">
+            <a:schemeClr val="lt1"/>
+          </a:fontRef>
+        </p:style>
+        <p:txBody>
+          <a:bodyPr rtlCol="0" anchor="ctr"/>
+          <a:lstStyle/>
+          <a:p>
+            <a:pPr algn="ctr"/>
+            <a:endParaRPr lang="en-US"/>
+          </a:p>
+        </p:txBody>
+      </p:sp>
+      <p:sp>
+        <p:nvSpPr>
+          <p:cNvPr id="2" name="Título 1">
+            <a:extLst>
+              <a:ext uri="{FF2B5EF4-FFF2-40B4-BE49-F238E27FC236}">
+                <a16:creationId xmlns:a16="http://schemas.microsoft.com/office/drawing/2014/main" id="{A04705A6-2D97-4A48-EF04-EF1F916C7A3E}"/>
+              </a:ext>
+            </a:extLst>
+          </p:cNvPr>
+          <p:cNvSpPr>
+            <a:spLocks noGrp="1"/>
+          </p:cNvSpPr>
+          <p:nvPr>
+            <p:ph type="title"/>
+          </p:nvPr>
+        </p:nvSpPr>
+        <p:spPr>
+          <a:xfrm>
+            <a:off x="1261872" y="365760"/>
+            <a:ext cx="9692640" cy="1325562"/>
+          </a:xfrm>
+        </p:spPr>
+        <p:txBody>
+          <a:bodyPr>
+            <a:normAutofit/>
+          </a:bodyPr>
+          <a:lstStyle/>
+          <a:p>
+            <a:r>
+              <a:rPr lang="en-US" dirty="0" err="1"/>
+              <a:t>Regras</a:t>
+            </a:r>
+            <a:r>
+              <a:rPr lang="en-US" dirty="0"/>
+              <a:t> para </a:t>
+            </a:r>
+            <a:r>
+              <a:rPr lang="en-US" dirty="0" err="1"/>
+              <a:t>Colaborador</a:t>
+            </a:r>
+            <a:endParaRPr lang="en-US" dirty="0"/>
+          </a:p>
+        </p:txBody>
+      </p:sp>
+      <p:sp>
+        <p:nvSpPr>
+          <p:cNvPr id="3" name="Espaço Reservado para Conteúdo 2">
+            <a:extLst>
+              <a:ext uri="{FF2B5EF4-FFF2-40B4-BE49-F238E27FC236}">
+                <a16:creationId xmlns:a16="http://schemas.microsoft.com/office/drawing/2014/main" id="{1159F3F1-947C-17F3-9482-37474142D56A}"/>
+              </a:ext>
+            </a:extLst>
+          </p:cNvPr>
+          <p:cNvSpPr>
+            <a:spLocks noGrp="1"/>
+          </p:cNvSpPr>
+          <p:nvPr>
+            <p:ph idx="1"/>
+          </p:nvPr>
+        </p:nvSpPr>
+        <p:spPr>
+          <a:xfrm>
+            <a:off x="1261872" y="1828800"/>
+            <a:ext cx="8595360" cy="4351337"/>
+          </a:xfrm>
+        </p:spPr>
+        <p:txBody>
+          <a:bodyPr>
+            <a:normAutofit/>
+          </a:bodyPr>
+          <a:lstStyle/>
+          <a:p>
+            <a:endParaRPr lang="en-US" dirty="0"/>
+          </a:p>
+          <a:p>
+            <a:r>
+              <a:rPr lang="en-US" dirty="0" err="1"/>
+              <a:t>Somente</a:t>
+            </a:r>
+            <a:r>
+              <a:rPr lang="en-US" dirty="0"/>
+              <a:t> </a:t>
+            </a:r>
+            <a:r>
+              <a:rPr lang="en-US" dirty="0" err="1"/>
+              <a:t>SuperAdmin</a:t>
+            </a:r>
+            <a:r>
+              <a:rPr lang="en-US" dirty="0"/>
+              <a:t> pode </a:t>
+            </a:r>
+            <a:r>
+              <a:rPr lang="en-US" dirty="0" err="1"/>
+              <a:t>cadastrar</a:t>
+            </a:r>
+            <a:r>
+              <a:rPr lang="en-US" dirty="0"/>
+              <a:t> e </a:t>
+            </a:r>
+            <a:r>
+              <a:rPr lang="en-US" dirty="0" err="1"/>
+              <a:t>deletar</a:t>
+            </a:r>
+            <a:r>
+              <a:rPr lang="en-US" dirty="0"/>
+              <a:t> um </a:t>
+            </a:r>
+            <a:r>
+              <a:rPr lang="en-US" dirty="0" err="1"/>
+              <a:t>colaborador</a:t>
+            </a:r>
+            <a:r>
+              <a:rPr lang="en-US" dirty="0"/>
+              <a:t>.</a:t>
+            </a:r>
+          </a:p>
+          <a:p>
+            <a:r>
+              <a:rPr lang="en-US" dirty="0" err="1"/>
+              <a:t>Somente</a:t>
+            </a:r>
+            <a:r>
+              <a:rPr lang="en-US" dirty="0"/>
+              <a:t> o </a:t>
+            </a:r>
+            <a:r>
+              <a:rPr lang="en-US" dirty="0" err="1"/>
+              <a:t>próprio</a:t>
+            </a:r>
+            <a:r>
+              <a:rPr lang="en-US" dirty="0"/>
+              <a:t> </a:t>
+            </a:r>
+            <a:r>
+              <a:rPr lang="en-US" dirty="0" err="1"/>
+              <a:t>colaborador</a:t>
+            </a:r>
+            <a:r>
+              <a:rPr lang="en-US" dirty="0"/>
+              <a:t> pode mudar </a:t>
+            </a:r>
+            <a:r>
+              <a:rPr lang="en-US" dirty="0" err="1"/>
+              <a:t>suas</a:t>
+            </a:r>
+            <a:r>
+              <a:rPr lang="en-US" dirty="0"/>
+              <a:t> </a:t>
+            </a:r>
+            <a:r>
+              <a:rPr lang="en-US" dirty="0" err="1"/>
+              <a:t>informações</a:t>
+            </a:r>
+            <a:r>
+              <a:rPr lang="en-US" dirty="0"/>
+              <a:t>.</a:t>
+            </a:r>
+          </a:p>
+          <a:p>
+            <a:r>
+              <a:rPr lang="en-US" dirty="0" err="1"/>
+              <a:t>Apenas</a:t>
+            </a:r>
+            <a:r>
+              <a:rPr lang="en-US" dirty="0"/>
+              <a:t> </a:t>
+            </a:r>
+            <a:r>
+              <a:rPr lang="en-US" dirty="0" err="1"/>
+              <a:t>membros</a:t>
+            </a:r>
+            <a:r>
+              <a:rPr lang="en-US" dirty="0"/>
+              <a:t> da </a:t>
+            </a:r>
+            <a:r>
+              <a:rPr lang="en-US" dirty="0" err="1"/>
+              <a:t>mesma</a:t>
+            </a:r>
+            <a:r>
+              <a:rPr lang="en-US" dirty="0"/>
+              <a:t> ONG </a:t>
+            </a:r>
+            <a:r>
+              <a:rPr lang="en-US" dirty="0" err="1"/>
+              <a:t>podem</a:t>
+            </a:r>
+            <a:r>
+              <a:rPr lang="en-US" dirty="0"/>
+              <a:t> </a:t>
+            </a:r>
+            <a:r>
+              <a:rPr lang="en-US" dirty="0" err="1"/>
+              <a:t>visualizar</a:t>
+            </a:r>
+            <a:r>
+              <a:rPr lang="en-US" dirty="0"/>
+              <a:t> </a:t>
+            </a:r>
+            <a:r>
+              <a:rPr lang="en-US" dirty="0" err="1"/>
+              <a:t>os</a:t>
+            </a:r>
+            <a:r>
+              <a:rPr lang="en-US" dirty="0"/>
+              <a:t> </a:t>
+            </a:r>
+            <a:r>
+              <a:rPr lang="en-US" dirty="0" err="1"/>
+              <a:t>colaborados</a:t>
+            </a:r>
+            <a:r>
+              <a:rPr lang="en-US" dirty="0"/>
+              <a:t> da </a:t>
+            </a:r>
+            <a:r>
+              <a:rPr lang="en-US" dirty="0" err="1"/>
+              <a:t>mesma</a:t>
+            </a:r>
+            <a:r>
+              <a:rPr lang="en-US" dirty="0"/>
+              <a:t>.</a:t>
+            </a:r>
+          </a:p>
+        </p:txBody>
+      </p:sp>
+      <p:sp>
+        <p:nvSpPr>
+          <p:cNvPr id="10" name="Rectangle 9">
+            <a:extLst>
+              <a:ext uri="{FF2B5EF4-FFF2-40B4-BE49-F238E27FC236}">
+                <a16:creationId xmlns:a16="http://schemas.microsoft.com/office/drawing/2014/main" id="{6B424749-EEE0-49C9-9ABF-97B171A3EA00}"/>
+              </a:ext>
+              <a:ext uri="{C183D7F6-B498-43B3-948B-1728B52AA6E4}">
+                <adec:decorative xmlns:adec="http://schemas.microsoft.com/office/drawing/2017/decorative" val="1"/>
+              </a:ext>
+            </a:extLst>
+          </p:cNvPr>
+          <p:cNvSpPr>
+            <a:spLocks noGrp="1" noRot="1" noChangeAspect="1" noMove="1" noResize="1" noEditPoints="1" noAdjustHandles="1" noChangeArrowheads="1" noChangeShapeType="1" noTextEdit="1"/>
+          </p:cNvSpPr>
+          <p:nvPr>
+            <p:extLst>
+              <p:ext uri="{386F3935-93C4-4BCD-93E2-E3B085C9AB24}">
+                <p16:designElem xmlns:p16="http://schemas.microsoft.com/office/powerpoint/2015/main" val="1"/>
+              </p:ext>
+            </p:extLst>
+          </p:nvPr>
+        </p:nvSpPr>
+        <p:spPr>
+          <a:xfrm>
+            <a:off x="11277600" y="0"/>
+            <a:ext cx="914400" cy="6858000"/>
+          </a:xfrm>
+          <a:prstGeom prst="rect">
+            <a:avLst/>
+          </a:prstGeom>
+          <a:solidFill>
+            <a:schemeClr val="tx2">
+              <a:lumMod val="75000"/>
+            </a:schemeClr>
+          </a:solidFill>
+          <a:ln>
+            <a:noFill/>
+          </a:ln>
+        </p:spPr>
+        <p:style>
+          <a:lnRef idx="2">
+            <a:schemeClr val="accent1">
+              <a:shade val="50000"/>
+            </a:schemeClr>
+          </a:lnRef>
+          <a:fillRef idx="1">
+            <a:schemeClr val="accent1"/>
+          </a:fillRef>
+          <a:effectRef idx="0">
+            <a:schemeClr val="accent1"/>
+          </a:effectRef>
+          <a:fontRef idx="minor">
+            <a:schemeClr val="lt1"/>
+          </a:fontRef>
+        </p:style>
+        <p:txBody>
+          <a:bodyPr/>
+          <a:lstStyle/>
+          <a:p>
+            <a:endParaRPr lang="en-US"/>
+          </a:p>
+        </p:txBody>
+      </p:sp>
+    </p:spTree>
+    <p:extLst>
+      <p:ext uri="{BB962C8B-B14F-4D97-AF65-F5344CB8AC3E}">
+        <p14:creationId xmlns:p14="http://schemas.microsoft.com/office/powerpoint/2010/main" val="549895583"/>
+      </p:ext>
+    </p:extLst>
+  </p:cSld>
+  <p:clrMapOvr>
+    <a:overrideClrMapping bg1="dk1" tx1="lt1" bg2="dk2" tx2="lt2" accent1="accent1" accent2="accent2" accent3="accent3" accent4="accent4" accent5="accent5" accent6="accent6" hlink="hlink" folHlink="folHlink"/>
   </p:clrMapOvr>
 </p:sld>
 </file>
@@ -6936,7 +8679,7 @@
     </p:spTree>
     <p:extLst>
       <p:ext uri="{BB962C8B-B14F-4D97-AF65-F5344CB8AC3E}">
-        <p14:creationId xmlns:p14="http://schemas.microsoft.com/office/powerpoint/2010/main" val="3072239598"/>
+        <p14:creationId xmlns:p14="http://schemas.microsoft.com/office/powerpoint/2010/main" val="1139511326"/>
       </p:ext>
     </p:extLst>
   </p:cSld>
